--- a/poster.pptx
+++ b/poster.pptx
@@ -240,7 +240,7 @@
             <a:fld id="{E6CC2317-6751-4CD4-9995-8782DD78E936}" type="datetimeFigureOut">
               <a:rPr lang="en-US" smtClean="0"/>
               <a:pPr/>
-              <a:t>5/30/2019</a:t>
+              <a:t>5/31/2019</a:t>
             </a:fld>
             <a:endParaRPr lang="en-US" dirty="0"/>
           </a:p>
@@ -2720,7 +2720,7 @@
           <a:p>
             <a:fld id="{7220ECE3-515B-1A46-8D83-30082E4C106D}" type="datetimeFigureOut">
               <a:rPr lang="en-US" smtClean="0"/>
-              <a:t>5/30/2019</a:t>
+              <a:t>5/31/2019</a:t>
             </a:fld>
             <a:endParaRPr lang="en-US"/>
           </a:p>
@@ -4899,7 +4899,7 @@
           <a:p>
             <a:fld id="{7220ECE3-515B-1A46-8D83-30082E4C106D}" type="datetimeFigureOut">
               <a:rPr lang="en-US" smtClean="0"/>
-              <a:t>5/30/2019</a:t>
+              <a:t>5/31/2019</a:t>
             </a:fld>
             <a:endParaRPr lang="en-US"/>
           </a:p>
@@ -18323,8 +18323,8 @@
         </p:nvSpPr>
         <p:spPr>
           <a:xfrm>
-            <a:off x="0" y="0"/>
-            <a:ext cx="27432000" cy="2780397"/>
+            <a:off x="0" y="1"/>
+            <a:ext cx="27432000" cy="2667110"/>
           </a:xfrm>
           <a:prstGeom prst="rect">
             <a:avLst/>
@@ -18517,38 +18517,168 @@
         </p:nvSpPr>
         <p:spPr>
           <a:xfrm>
-            <a:off x="7303239" y="3523208"/>
-            <a:ext cx="12794229" cy="1076325"/>
+            <a:off x="7303239" y="3523209"/>
+            <a:ext cx="12794229" cy="2775252"/>
           </a:xfrm>
         </p:spPr>
         <p:txBody>
-          <a:bodyPr/>
+          <a:bodyPr numCol="2"/>
           <a:lstStyle/>
           <a:p>
             <a:pPr algn="just"/>
             <a:r>
-              <a:rPr lang="en-US" sz="2400" dirty="0">
+              <a:rPr lang="en-US" sz="2400" b="1" dirty="0">
                 <a:solidFill>
                   <a:schemeClr val="tx1"/>
                 </a:solidFill>
                 <a:latin typeface="Cambria" panose="02040503050406030204" pitchFamily="18" charset="0"/>
                 <a:ea typeface="Cambria" panose="02040503050406030204" pitchFamily="18" charset="0"/>
               </a:rPr>
-              <a:t>Methods</a:t>
+              <a:t>Multi-class Logistic Regression</a:t>
+            </a:r>
+          </a:p>
+          <a:p>
+            <a:pPr marL="342900" indent="-342900">
+              <a:buFont typeface="Arial" panose="020B0604020202020204" pitchFamily="34" charset="0"/>
+              <a:buChar char="•"/>
+            </a:pPr>
+            <a:r>
+              <a:rPr lang="en-US" sz="2400" dirty="0">
+                <a:solidFill>
+                  <a:schemeClr val="tx1"/>
+                </a:solidFill>
+                <a:latin typeface="Cambria" panose="02040503050406030204" pitchFamily="18" charset="0"/>
+                <a:ea typeface="Cambria" panose="02040503050406030204" pitchFamily="18" charset="0"/>
+              </a:rPr>
+              <a:t>Generalization of Logistic Regression</a:t>
+            </a:r>
+          </a:p>
+          <a:p>
+            <a:pPr marL="342900" indent="-342900">
+              <a:buFont typeface="Arial" panose="020B0604020202020204" pitchFamily="34" charset="0"/>
+              <a:buChar char="•"/>
+            </a:pPr>
+            <a:r>
+              <a:rPr lang="en-US" sz="2400" dirty="0">
+                <a:solidFill>
+                  <a:schemeClr val="tx1"/>
+                </a:solidFill>
+                <a:latin typeface="Cambria" panose="02040503050406030204" pitchFamily="18" charset="0"/>
+                <a:ea typeface="Cambria" panose="02040503050406030204" pitchFamily="18" charset="0"/>
+              </a:rPr>
+              <a:t>Uses sigmoid logistic function is replaced by the SoftMax function</a:t>
             </a:r>
           </a:p>
           <a:p>
             <a:pPr algn="just"/>
+            <a:endParaRPr lang="en-US" sz="2400" b="1" dirty="0">
+              <a:solidFill>
+                <a:schemeClr val="tx1"/>
+              </a:solidFill>
+              <a:latin typeface="Cambria" panose="02040503050406030204" pitchFamily="18" charset="0"/>
+              <a:ea typeface="Cambria" panose="02040503050406030204" pitchFamily="18" charset="0"/>
+            </a:endParaRPr>
+          </a:p>
+          <a:p>
+            <a:pPr algn="just"/>
+            <a:endParaRPr lang="en-US" sz="2400" b="1" dirty="0">
+              <a:solidFill>
+                <a:schemeClr val="tx1"/>
+              </a:solidFill>
+              <a:latin typeface="Cambria" panose="02040503050406030204" pitchFamily="18" charset="0"/>
+              <a:ea typeface="Cambria" panose="02040503050406030204" pitchFamily="18" charset="0"/>
+            </a:endParaRPr>
+          </a:p>
+          <a:p>
+            <a:pPr algn="just"/>
             <a:r>
-              <a:rPr lang="en-US" sz="2400" dirty="0">
+              <a:rPr lang="en-US" sz="2400" b="1" dirty="0">
                 <a:solidFill>
                   <a:schemeClr val="tx1"/>
                 </a:solidFill>
                 <a:latin typeface="Cambria" panose="02040503050406030204" pitchFamily="18" charset="0"/>
                 <a:ea typeface="Cambria" panose="02040503050406030204" pitchFamily="18" charset="0"/>
               </a:rPr>
-              <a:t>Fig - CNN network diagram</a:t>
+              <a:t>Naïve Bayes</a:t>
             </a:r>
+          </a:p>
+          <a:p>
+            <a:pPr marL="342900" indent="-342900">
+              <a:buFont typeface="Arial" panose="020B0604020202020204" pitchFamily="34" charset="0"/>
+              <a:buChar char="•"/>
+            </a:pPr>
+            <a:r>
+              <a:rPr lang="en-US" sz="2400" dirty="0">
+                <a:solidFill>
+                  <a:schemeClr val="tx1"/>
+                </a:solidFill>
+                <a:latin typeface="Cambria" panose="02040503050406030204" pitchFamily="18" charset="0"/>
+                <a:ea typeface="Cambria" panose="02040503050406030204" pitchFamily="18" charset="0"/>
+              </a:rPr>
+              <a:t>Based on applying</a:t>
+            </a:r>
+            <a:r>
+              <a:rPr lang="en-US" sz="2400" b="1" dirty="0">
+                <a:solidFill>
+                  <a:schemeClr val="tx1"/>
+                </a:solidFill>
+                <a:latin typeface="Cambria" panose="02040503050406030204" pitchFamily="18" charset="0"/>
+                <a:ea typeface="Cambria" panose="02040503050406030204" pitchFamily="18" charset="0"/>
+              </a:rPr>
+              <a:t> </a:t>
+            </a:r>
+            <a:r>
+              <a:rPr lang="en-US" sz="2400" dirty="0">
+                <a:solidFill>
+                  <a:schemeClr val="tx1"/>
+                </a:solidFill>
+                <a:latin typeface="Cambria" panose="02040503050406030204" pitchFamily="18" charset="0"/>
+                <a:ea typeface="Cambria" panose="02040503050406030204" pitchFamily="18" charset="0"/>
+              </a:rPr>
+              <a:t>Bayes Theorem</a:t>
+            </a:r>
+          </a:p>
+          <a:p>
+            <a:pPr marL="342900" indent="-342900">
+              <a:buFont typeface="Arial" panose="020B0604020202020204" pitchFamily="34" charset="0"/>
+              <a:buChar char="•"/>
+            </a:pPr>
+            <a:r>
+              <a:rPr lang="en-US" sz="2400" dirty="0">
+                <a:solidFill>
+                  <a:schemeClr val="tx1"/>
+                </a:solidFill>
+                <a:latin typeface="Cambria" panose="02040503050406030204" pitchFamily="18" charset="0"/>
+                <a:ea typeface="Cambria" panose="02040503050406030204" pitchFamily="18" charset="0"/>
+              </a:rPr>
+              <a:t>Assumes conditional independence between feature pairs</a:t>
+            </a:r>
+          </a:p>
+          <a:p>
+            <a:pPr marL="342900" indent="-342900" algn="just">
+              <a:buFont typeface="Arial" panose="020B0604020202020204" pitchFamily="34" charset="0"/>
+              <a:buChar char="•"/>
+            </a:pPr>
+            <a:endParaRPr lang="en-US" sz="2400" b="1" dirty="0">
+              <a:solidFill>
+                <a:schemeClr val="tx1"/>
+              </a:solidFill>
+              <a:latin typeface="Cambria" panose="02040503050406030204" pitchFamily="18" charset="0"/>
+              <a:ea typeface="Cambria" panose="02040503050406030204" pitchFamily="18" charset="0"/>
+            </a:endParaRPr>
+          </a:p>
+          <a:p>
+            <a:pPr marL="342900" indent="-342900" algn="just">
+              <a:buFont typeface="Arial" panose="020B0604020202020204" pitchFamily="34" charset="0"/>
+              <a:buChar char="•"/>
+            </a:pPr>
+            <a:endParaRPr lang="en-US" sz="2400" b="1" dirty="0">
+              <a:solidFill>
+                <a:schemeClr val="tx1"/>
+              </a:solidFill>
+              <a:latin typeface="Cambria" panose="02040503050406030204" pitchFamily="18" charset="0"/>
+              <a:ea typeface="Cambria" panose="02040503050406030204" pitchFamily="18" charset="0"/>
+            </a:endParaRPr>
           </a:p>
         </p:txBody>
       </p:sp>
@@ -18596,14 +18726,122 @@
         </p:nvSpPr>
         <p:spPr>
           <a:xfrm>
-            <a:off x="7303239" y="12055486"/>
-            <a:ext cx="12794229" cy="1519524"/>
+            <a:off x="7303239" y="10799633"/>
+            <a:ext cx="12794229" cy="6905746"/>
           </a:xfrm>
         </p:spPr>
         <p:txBody>
           <a:bodyPr/>
           <a:lstStyle/>
           <a:p>
+            <a:pPr marL="342900" indent="-342900" algn="just">
+              <a:buFont typeface="Arial" panose="020B0604020202020204" pitchFamily="34" charset="0"/>
+              <a:buChar char="•"/>
+            </a:pPr>
+            <a:r>
+              <a:rPr lang="en-US" sz="2400" dirty="0">
+                <a:solidFill>
+                  <a:schemeClr val="tx1"/>
+                </a:solidFill>
+                <a:latin typeface="Cambria" panose="02040503050406030204" pitchFamily="18" charset="0"/>
+                <a:ea typeface="Cambria" panose="02040503050406030204" pitchFamily="18" charset="0"/>
+              </a:rPr>
+              <a:t>Baseline: Majority classifier. Log loss = 33.003, accuracy 4.447%</a:t>
+            </a:r>
+          </a:p>
+          <a:p>
+            <a:pPr marL="342900" indent="-342900" algn="just">
+              <a:buFont typeface="Arial" panose="020B0604020202020204" pitchFamily="34" charset="0"/>
+              <a:buChar char="•"/>
+            </a:pPr>
+            <a:r>
+              <a:rPr lang="en-US" sz="2400" dirty="0">
+                <a:solidFill>
+                  <a:schemeClr val="tx1"/>
+                </a:solidFill>
+                <a:latin typeface="Cambria" panose="02040503050406030204" pitchFamily="18" charset="0"/>
+                <a:ea typeface="Cambria" panose="02040503050406030204" pitchFamily="18" charset="0"/>
+              </a:rPr>
+              <a:t>Oracle: Human classifier. Log loss = 1.099, accuracy = 96.818%</a:t>
+            </a:r>
+          </a:p>
+          <a:p>
+            <a:pPr marL="342900" indent="-342900" algn="just">
+              <a:buFont typeface="Arial" panose="020B0604020202020204" pitchFamily="34" charset="0"/>
+              <a:buChar char="•"/>
+            </a:pPr>
+            <a:r>
+              <a:rPr lang="en-US" sz="2400" dirty="0">
+                <a:solidFill>
+                  <a:schemeClr val="tx1"/>
+                </a:solidFill>
+                <a:latin typeface="Cambria" panose="02040503050406030204" pitchFamily="18" charset="0"/>
+                <a:ea typeface="Cambria" panose="02040503050406030204" pitchFamily="18" charset="0"/>
+              </a:rPr>
+              <a:t>Method comparison: Performed both general and model-wise hyperparameter tuning to pick the best model for each method. The 4 methods were applied on the validation set. Results are compared below.</a:t>
+            </a:r>
+          </a:p>
+          <a:p>
+            <a:pPr algn="just"/>
+            <a:endParaRPr lang="en-US" sz="2400" dirty="0">
+              <a:solidFill>
+                <a:schemeClr val="tx1"/>
+              </a:solidFill>
+              <a:latin typeface="Cambria" panose="02040503050406030204" pitchFamily="18" charset="0"/>
+              <a:ea typeface="Cambria" panose="02040503050406030204" pitchFamily="18" charset="0"/>
+            </a:endParaRPr>
+          </a:p>
+          <a:p>
+            <a:pPr algn="just"/>
+            <a:endParaRPr lang="en-US" sz="2400" dirty="0">
+              <a:solidFill>
+                <a:schemeClr val="tx1"/>
+              </a:solidFill>
+              <a:latin typeface="Cambria" panose="02040503050406030204" pitchFamily="18" charset="0"/>
+              <a:ea typeface="Cambria" panose="02040503050406030204" pitchFamily="18" charset="0"/>
+            </a:endParaRPr>
+          </a:p>
+          <a:p>
+            <a:pPr algn="just"/>
+            <a:endParaRPr lang="en-US" sz="2400" dirty="0">
+              <a:solidFill>
+                <a:schemeClr val="tx1"/>
+              </a:solidFill>
+              <a:latin typeface="Cambria" panose="02040503050406030204" pitchFamily="18" charset="0"/>
+              <a:ea typeface="Cambria" panose="02040503050406030204" pitchFamily="18" charset="0"/>
+            </a:endParaRPr>
+          </a:p>
+          <a:p>
+            <a:pPr algn="just"/>
+            <a:endParaRPr lang="en-US" sz="2400" dirty="0">
+              <a:solidFill>
+                <a:schemeClr val="tx1"/>
+              </a:solidFill>
+              <a:latin typeface="Cambria" panose="02040503050406030204" pitchFamily="18" charset="0"/>
+              <a:ea typeface="Cambria" panose="02040503050406030204" pitchFamily="18" charset="0"/>
+            </a:endParaRPr>
+          </a:p>
+          <a:p>
+            <a:pPr algn="just"/>
+            <a:endParaRPr lang="en-US" sz="2400" dirty="0">
+              <a:solidFill>
+                <a:schemeClr val="tx1"/>
+              </a:solidFill>
+              <a:latin typeface="Cambria" panose="02040503050406030204" pitchFamily="18" charset="0"/>
+              <a:ea typeface="Cambria" panose="02040503050406030204" pitchFamily="18" charset="0"/>
+            </a:endParaRPr>
+          </a:p>
+          <a:p>
+            <a:pPr algn="just"/>
+            <a:endParaRPr lang="en-US" sz="2400" dirty="0">
+              <a:solidFill>
+                <a:schemeClr val="tx1"/>
+              </a:solidFill>
+              <a:latin typeface="Cambria" panose="02040503050406030204" pitchFamily="18" charset="0"/>
+              <a:ea typeface="Cambria" panose="02040503050406030204" pitchFamily="18" charset="0"/>
+            </a:endParaRPr>
+          </a:p>
+          <a:p>
             <a:pPr algn="just"/>
             <a:r>
               <a:rPr lang="en-US" sz="2400" dirty="0">
@@ -18613,7 +18851,7 @@
                 <a:latin typeface="Cambria" panose="02040503050406030204" pitchFamily="18" charset="0"/>
                 <a:ea typeface="Cambria" panose="02040503050406030204" pitchFamily="18" charset="0"/>
               </a:rPr>
-              <a:t>Results</a:t>
+              <a:t>CNN performed the best on the validation set and was then run on the test set, where it achieved log loss = ___ and ___% accuracy! </a:t>
             </a:r>
           </a:p>
           <a:p>
@@ -18626,22 +18864,12 @@
                 <a:latin typeface="Cambria" panose="02040503050406030204" pitchFamily="18" charset="0"/>
                 <a:ea typeface="Cambria" panose="02040503050406030204" pitchFamily="18" charset="0"/>
               </a:rPr>
-              <a:t>Table comparing all models.</a:t>
+              <a:t>The demo application uses this CNN model to try and accurately classify the doodle input from the user. From our experimentation we see the model achieves a ____ % accuracy on the demo app. This is due to the difference in data format between the training data and user input.</a:t>
             </a:r>
           </a:p>
           <a:p>
             <a:pPr algn="just"/>
-            <a:r>
-              <a:rPr lang="en-US" sz="2400" dirty="0">
-                <a:solidFill>
-                  <a:schemeClr val="tx1"/>
-                </a:solidFill>
-                <a:latin typeface="Cambria" panose="02040503050406030204" pitchFamily="18" charset="0"/>
-                <a:ea typeface="Cambria" panose="02040503050406030204" pitchFamily="18" charset="0"/>
-              </a:rPr>
-              <a:t>Fig – Full confusion matrix with labels from best model.</a:t>
-            </a:r>
-            <a:endParaRPr lang="en-US" dirty="0">
+            <a:endParaRPr lang="en-US" sz="2400" dirty="0">
               <a:solidFill>
                 <a:schemeClr val="tx1"/>
               </a:solidFill>
@@ -18663,7 +18891,7 @@
         </p:nvSpPr>
         <p:spPr>
           <a:xfrm>
-            <a:off x="7241978" y="11613348"/>
+            <a:off x="7225336" y="10410807"/>
             <a:ext cx="12950031" cy="597961"/>
           </a:xfrm>
         </p:spPr>
@@ -18707,19 +18935,7 @@
               <a:rPr lang="en-US" sz="3200" u="none" dirty="0">
                 <a:latin typeface="Trebuchet MS" panose="020B0603020202020204" pitchFamily="34" charset="0"/>
               </a:rPr>
-              <a:t>RESULTS (</a:t>
-            </a:r>
-            <a:r>
-              <a:rPr lang="en-US" sz="3200" u="none" dirty="0" err="1">
-                <a:latin typeface="Trebuchet MS" panose="020B0603020202020204" pitchFamily="34" charset="0"/>
-              </a:rPr>
-              <a:t>cont</a:t>
-            </a:r>
-            <a:r>
-              <a:rPr lang="en-US" sz="3200" u="none" dirty="0">
-                <a:latin typeface="Trebuchet MS" panose="020B0603020202020204" pitchFamily="34" charset="0"/>
-              </a:rPr>
-              <a:t>) / DEMO</a:t>
+              <a:t>RESULTS (continued)</a:t>
             </a:r>
           </a:p>
         </p:txBody>
@@ -18737,7 +18953,7 @@
         <p:spPr>
           <a:xfrm>
             <a:off x="20668292" y="3523207"/>
-            <a:ext cx="6279386" cy="1002459"/>
+            <a:ext cx="6279386" cy="1115079"/>
           </a:xfrm>
         </p:spPr>
         <p:txBody>
@@ -18753,7 +18969,7 @@
                 <a:latin typeface="Cambria" panose="02040503050406030204" pitchFamily="18" charset="0"/>
                 <a:ea typeface="Cambria" panose="02040503050406030204" pitchFamily="18" charset="0"/>
               </a:rPr>
-              <a:t>Results / Demo app description and screenshots.</a:t>
+              <a:t>Below is the confusion matrix for the CNN model’s performance on the test set:</a:t>
             </a:r>
           </a:p>
         </p:txBody>
@@ -18770,7 +18986,7 @@
         </p:nvSpPr>
         <p:spPr>
           <a:xfrm>
-            <a:off x="20671690" y="11401755"/>
+            <a:off x="20671690" y="11263642"/>
             <a:ext cx="6279386" cy="597961"/>
           </a:xfrm>
         </p:spPr>
@@ -18802,15 +19018,18 @@
         </p:nvSpPr>
         <p:spPr>
           <a:xfrm>
-            <a:off x="20665147" y="11912328"/>
-            <a:ext cx="6282531" cy="633127"/>
+            <a:off x="20665147" y="11600318"/>
+            <a:ext cx="6282531" cy="4413556"/>
           </a:xfrm>
         </p:spPr>
         <p:txBody>
           <a:bodyPr/>
           <a:lstStyle/>
           <a:p>
-            <a:pPr algn="just"/>
+            <a:pPr marL="342900" indent="-342900" algn="just">
+              <a:buFont typeface="Arial" panose="020B0604020202020204" pitchFamily="34" charset="0"/>
+              <a:buChar char="•"/>
+            </a:pPr>
             <a:r>
               <a:rPr lang="en-US" sz="2400" dirty="0">
                 <a:solidFill>
@@ -18819,7 +19038,23 @@
                 <a:latin typeface="Cambria" panose="02040503050406030204" pitchFamily="18" charset="0"/>
                 <a:ea typeface="Cambria" panose="02040503050406030204" pitchFamily="18" charset="0"/>
               </a:rPr>
-              <a:t>Conclusion</a:t>
+              <a:t>Deep learning methods performed much better then traditional methods because they can learn more about the image with the use of hidden layers.</a:t>
+            </a:r>
+          </a:p>
+          <a:p>
+            <a:pPr marL="342900" indent="-342900" algn="just">
+              <a:buFont typeface="Arial" panose="020B0604020202020204" pitchFamily="34" charset="0"/>
+              <a:buChar char="•"/>
+            </a:pPr>
+            <a:r>
+              <a:rPr lang="en-US" sz="2400" dirty="0">
+                <a:solidFill>
+                  <a:schemeClr val="tx1"/>
+                </a:solidFill>
+                <a:latin typeface="Cambria" panose="02040503050406030204" pitchFamily="18" charset="0"/>
+                <a:ea typeface="Cambria" panose="02040503050406030204" pitchFamily="18" charset="0"/>
+              </a:rPr>
+              <a:t>CNN performs very well on image data as it can extract information from smaller parts of the image.</a:t>
             </a:r>
           </a:p>
         </p:txBody>
@@ -18836,7 +19071,7 @@
         </p:nvSpPr>
         <p:spPr>
           <a:xfrm>
-            <a:off x="20671690" y="15056048"/>
+            <a:off x="20671690" y="14365168"/>
             <a:ext cx="6279386" cy="474850"/>
           </a:xfrm>
         </p:spPr>
@@ -18868,8 +19103,8 @@
         </p:nvSpPr>
         <p:spPr>
           <a:xfrm>
-            <a:off x="20668545" y="15554446"/>
-            <a:ext cx="6282531" cy="3095340"/>
+            <a:off x="20668545" y="14741646"/>
+            <a:ext cx="6282531" cy="3489294"/>
           </a:xfrm>
         </p:spPr>
         <p:txBody>
@@ -19180,6 +19415,68 @@
             </a:r>
           </a:p>
           <a:p>
+            <a:r>
+              <a:rPr lang="en-US" sz="1600" dirty="0">
+                <a:solidFill>
+                  <a:schemeClr val="tx1"/>
+                </a:solidFill>
+                <a:latin typeface="Cambria" panose="02040503050406030204" pitchFamily="18" charset="0"/>
+                <a:ea typeface="Cambria" panose="02040503050406030204" pitchFamily="18" charset="0"/>
+              </a:rPr>
+              <a:t>[3] </a:t>
+            </a:r>
+            <a:r>
+              <a:rPr lang="en-US" sz="1600" dirty="0" err="1">
+                <a:solidFill>
+                  <a:schemeClr val="tx1"/>
+                </a:solidFill>
+                <a:latin typeface="Cambria" panose="02040503050406030204" pitchFamily="18" charset="0"/>
+                <a:ea typeface="Cambria" panose="02040503050406030204" pitchFamily="18" charset="0"/>
+              </a:rPr>
+              <a:t>Chollet</a:t>
+            </a:r>
+            <a:r>
+              <a:rPr lang="en-US" sz="1600" dirty="0">
+                <a:solidFill>
+                  <a:schemeClr val="tx1"/>
+                </a:solidFill>
+                <a:latin typeface="Cambria" panose="02040503050406030204" pitchFamily="18" charset="0"/>
+                <a:ea typeface="Cambria" panose="02040503050406030204" pitchFamily="18" charset="0"/>
+              </a:rPr>
+              <a:t>, F. (2015) </a:t>
+            </a:r>
+            <a:r>
+              <a:rPr lang="en-US" sz="1600" dirty="0" err="1">
+                <a:solidFill>
+                  <a:schemeClr val="tx1"/>
+                </a:solidFill>
+                <a:latin typeface="Cambria" panose="02040503050406030204" pitchFamily="18" charset="0"/>
+                <a:ea typeface="Cambria" panose="02040503050406030204" pitchFamily="18" charset="0"/>
+              </a:rPr>
+              <a:t>Keras.https</a:t>
+            </a:r>
+            <a:r>
+              <a:rPr lang="en-US" sz="1600" dirty="0">
+                <a:solidFill>
+                  <a:schemeClr val="tx1"/>
+                </a:solidFill>
+                <a:latin typeface="Cambria" panose="02040503050406030204" pitchFamily="18" charset="0"/>
+                <a:ea typeface="Cambria" panose="02040503050406030204" pitchFamily="18" charset="0"/>
+              </a:rPr>
+              <a:t>://keras.io.</a:t>
+            </a:r>
+          </a:p>
+          <a:p>
+            <a:r>
+              <a:rPr lang="en-US" sz="1600" dirty="0">
+                <a:solidFill>
+                  <a:schemeClr val="tx1"/>
+                </a:solidFill>
+                <a:latin typeface="Cambria" panose="02040503050406030204" pitchFamily="18" charset="0"/>
+                <a:ea typeface="Cambria" panose="02040503050406030204" pitchFamily="18" charset="0"/>
+              </a:rPr>
+              <a:t>MLP and CNN images: https://www.peculiar-coding-endeavours.com/assets/</a:t>
+            </a:r>
             <a:br>
               <a:rPr lang="en-US" sz="2400" dirty="0"/>
             </a:br>
@@ -19340,7 +19637,7 @@
         </p:blipFill>
         <p:spPr>
           <a:xfrm>
-            <a:off x="2398134" y="208032"/>
+            <a:off x="2480196" y="167392"/>
             <a:ext cx="2364331" cy="2364331"/>
           </a:xfrm>
           <a:prstGeom prst="rect">
@@ -19751,7 +20048,27 @@
                 <a:latin typeface="Cambria" panose="02040503050406030204" pitchFamily="18" charset="0"/>
                 <a:ea typeface="Cambria" panose="02040503050406030204" pitchFamily="18" charset="0"/>
               </a:rPr>
-              <a:t>For this project, we used the Google QuickDraw dataset [1]. The dataset contains images of many simplified drawings, centered and formatted to a 28 x 28 grayscale bitmap.  Although the data was available for over 300 different objects, only a small subset containing 22 objects was chosen for this project; namely: </a:t>
+              <a:t>For this project, we used the Google QuickDraw dataset</a:t>
+            </a:r>
+            <a:r>
+              <a:rPr lang="en-US" sz="2400" baseline="30000" dirty="0">
+                <a:solidFill>
+                  <a:schemeClr val="tx1"/>
+                </a:solidFill>
+                <a:latin typeface="Cambria" panose="02040503050406030204" pitchFamily="18" charset="0"/>
+                <a:ea typeface="Cambria" panose="02040503050406030204" pitchFamily="18" charset="0"/>
+              </a:rPr>
+              <a:t>[1]</a:t>
+            </a:r>
+            <a:r>
+              <a:rPr lang="en-US" sz="2400" dirty="0">
+                <a:solidFill>
+                  <a:schemeClr val="tx1"/>
+                </a:solidFill>
+                <a:latin typeface="Cambria" panose="02040503050406030204" pitchFamily="18" charset="0"/>
+                <a:ea typeface="Cambria" panose="02040503050406030204" pitchFamily="18" charset="0"/>
+              </a:rPr>
+              <a:t>. The dataset contains images of many simplified drawings, centered and formatted to a 28 x 28 grayscale bitmap.  Although the data was available for over 300 different objects, only a small subset containing 22 objects was chosen for this project; namely: </a:t>
             </a:r>
             <a:r>
               <a:rPr lang="en-US" sz="2400" dirty="0">
@@ -19817,7 +20134,7 @@
         </p:blipFill>
         <p:spPr>
           <a:xfrm>
-            <a:off x="23152756" y="533030"/>
+            <a:off x="23152756" y="390790"/>
             <a:ext cx="1233763" cy="1863495"/>
           </a:xfrm>
           <a:prstGeom prst="rect">
@@ -19876,6 +20193,1232 @@
           <a:p>
             <a:pPr algn="ctr"/>
             <a:endParaRPr lang="en-US"/>
+          </a:p>
+        </p:txBody>
+      </p:sp>
+      <p:sp>
+        <p:nvSpPr>
+          <p:cNvPr id="29" name="Text Placeholder 293">
+            <a:extLst>
+              <a:ext uri="{FF2B5EF4-FFF2-40B4-BE49-F238E27FC236}">
+                <a16:creationId xmlns:a16="http://schemas.microsoft.com/office/drawing/2014/main" id="{AC3044BD-BAE9-4F68-AA87-B4D2B784D242}"/>
+              </a:ext>
+            </a:extLst>
+          </p:cNvPr>
+          <p:cNvSpPr txBox="1">
+            <a:spLocks/>
+          </p:cNvSpPr>
+          <p:nvPr/>
+        </p:nvSpPr>
+        <p:spPr>
+          <a:xfrm>
+            <a:off x="7303238" y="5480856"/>
+            <a:ext cx="12794229" cy="3144584"/>
+          </a:xfrm>
+          <a:prstGeom prst="rect">
+            <a:avLst/>
+          </a:prstGeom>
+        </p:spPr>
+        <p:txBody>
+          <a:bodyPr wrap="square" lIns="130622" tIns="130622" rIns="130622" bIns="130622" numCol="2">
+            <a:spAutoFit/>
+          </a:bodyPr>
+          <a:lstStyle>
+            <a:lvl1pPr marL="0" indent="0" algn="l" defTabSz="2388565" rtl="0" eaLnBrk="1" latinLnBrk="0" hangingPunct="1">
+              <a:spcBef>
+                <a:spcPct val="20000"/>
+              </a:spcBef>
+              <a:buFont typeface="Arial" pitchFamily="34" charset="0"/>
+              <a:buNone/>
+              <a:defRPr sz="1143" kern="1200">
+                <a:solidFill>
+                  <a:schemeClr val="accent5">
+                    <a:lumMod val="50000"/>
+                  </a:schemeClr>
+                </a:solidFill>
+                <a:latin typeface="Times New Roman" panose="02020603050405020304" pitchFamily="18" charset="0"/>
+                <a:ea typeface="+mn-ea"/>
+                <a:cs typeface="Times New Roman" panose="02020603050405020304" pitchFamily="18" charset="0"/>
+              </a:defRPr>
+            </a:lvl1pPr>
+            <a:lvl2pPr marL="808629" indent="-311011" algn="l" defTabSz="2388565" rtl="0" eaLnBrk="1" latinLnBrk="0" hangingPunct="1">
+              <a:spcBef>
+                <a:spcPct val="20000"/>
+              </a:spcBef>
+              <a:buFont typeface="Arial" pitchFamily="34" charset="0"/>
+              <a:buChar char="–"/>
+              <a:defRPr sz="1333" kern="1200">
+                <a:solidFill>
+                  <a:schemeClr val="tx1"/>
+                </a:solidFill>
+                <a:latin typeface="Trebuchet MS" pitchFamily="34" charset="0"/>
+                <a:ea typeface="+mn-ea"/>
+                <a:cs typeface="+mn-cs"/>
+              </a:defRPr>
+            </a:lvl2pPr>
+            <a:lvl3pPr marL="1119640" indent="-311011" algn="l" defTabSz="2388565" rtl="0" eaLnBrk="1" latinLnBrk="0" hangingPunct="1">
+              <a:spcBef>
+                <a:spcPct val="20000"/>
+              </a:spcBef>
+              <a:buFont typeface="Arial" pitchFamily="34" charset="0"/>
+              <a:buChar char="•"/>
+              <a:defRPr sz="1333" kern="1200">
+                <a:solidFill>
+                  <a:schemeClr val="tx1"/>
+                </a:solidFill>
+                <a:latin typeface="Trebuchet MS" pitchFamily="34" charset="0"/>
+                <a:ea typeface="+mn-ea"/>
+                <a:cs typeface="+mn-cs"/>
+              </a:defRPr>
+            </a:lvl3pPr>
+            <a:lvl4pPr marL="1461752" indent="-342113" algn="l" defTabSz="2388565" rtl="0" eaLnBrk="1" latinLnBrk="0" hangingPunct="1">
+              <a:spcBef>
+                <a:spcPct val="20000"/>
+              </a:spcBef>
+              <a:buFont typeface="Arial" pitchFamily="34" charset="0"/>
+              <a:buChar char="–"/>
+              <a:defRPr sz="1333" kern="1200">
+                <a:solidFill>
+                  <a:schemeClr val="tx1"/>
+                </a:solidFill>
+                <a:latin typeface="Trebuchet MS" pitchFamily="34" charset="0"/>
+                <a:ea typeface="+mn-ea"/>
+                <a:cs typeface="+mn-cs"/>
+              </a:defRPr>
+            </a:lvl4pPr>
+            <a:lvl5pPr marL="1710561" indent="-248809" algn="l" defTabSz="2388565" rtl="0" eaLnBrk="1" latinLnBrk="0" hangingPunct="1">
+              <a:spcBef>
+                <a:spcPct val="20000"/>
+              </a:spcBef>
+              <a:buFont typeface="Arial" pitchFamily="34" charset="0"/>
+              <a:buChar char="»"/>
+              <a:defRPr sz="1333" kern="1200">
+                <a:solidFill>
+                  <a:schemeClr val="tx1"/>
+                </a:solidFill>
+                <a:latin typeface="Trebuchet MS" pitchFamily="34" charset="0"/>
+                <a:ea typeface="+mn-ea"/>
+                <a:cs typeface="+mn-cs"/>
+              </a:defRPr>
+            </a:lvl5pPr>
+            <a:lvl6pPr marL="6568554" indent="-597141" algn="l" defTabSz="2388565" rtl="0" eaLnBrk="1" latinLnBrk="0" hangingPunct="1">
+              <a:spcBef>
+                <a:spcPct val="20000"/>
+              </a:spcBef>
+              <a:buFont typeface="Arial" pitchFamily="34" charset="0"/>
+              <a:buChar char="•"/>
+              <a:defRPr sz="5238" kern="1200">
+                <a:solidFill>
+                  <a:schemeClr val="tx1"/>
+                </a:solidFill>
+                <a:latin typeface="+mn-lt"/>
+                <a:ea typeface="+mn-ea"/>
+                <a:cs typeface="+mn-cs"/>
+              </a:defRPr>
+            </a:lvl6pPr>
+            <a:lvl7pPr marL="7762836" indent="-597141" algn="l" defTabSz="2388565" rtl="0" eaLnBrk="1" latinLnBrk="0" hangingPunct="1">
+              <a:spcBef>
+                <a:spcPct val="20000"/>
+              </a:spcBef>
+              <a:buFont typeface="Arial" pitchFamily="34" charset="0"/>
+              <a:buChar char="•"/>
+              <a:defRPr sz="5238" kern="1200">
+                <a:solidFill>
+                  <a:schemeClr val="tx1"/>
+                </a:solidFill>
+                <a:latin typeface="+mn-lt"/>
+                <a:ea typeface="+mn-ea"/>
+                <a:cs typeface="+mn-cs"/>
+              </a:defRPr>
+            </a:lvl7pPr>
+            <a:lvl8pPr marL="8957119" indent="-597141" algn="l" defTabSz="2388565" rtl="0" eaLnBrk="1" latinLnBrk="0" hangingPunct="1">
+              <a:spcBef>
+                <a:spcPct val="20000"/>
+              </a:spcBef>
+              <a:buFont typeface="Arial" pitchFamily="34" charset="0"/>
+              <a:buChar char="•"/>
+              <a:defRPr sz="5238" kern="1200">
+                <a:solidFill>
+                  <a:schemeClr val="tx1"/>
+                </a:solidFill>
+                <a:latin typeface="+mn-lt"/>
+                <a:ea typeface="+mn-ea"/>
+                <a:cs typeface="+mn-cs"/>
+              </a:defRPr>
+            </a:lvl8pPr>
+            <a:lvl9pPr marL="10151401" indent="-597141" algn="l" defTabSz="2388565" rtl="0" eaLnBrk="1" latinLnBrk="0" hangingPunct="1">
+              <a:spcBef>
+                <a:spcPct val="20000"/>
+              </a:spcBef>
+              <a:buFont typeface="Arial" pitchFamily="34" charset="0"/>
+              <a:buChar char="•"/>
+              <a:defRPr sz="5238" kern="1200">
+                <a:solidFill>
+                  <a:schemeClr val="tx1"/>
+                </a:solidFill>
+                <a:latin typeface="+mn-lt"/>
+                <a:ea typeface="+mn-ea"/>
+                <a:cs typeface="+mn-cs"/>
+              </a:defRPr>
+            </a:lvl9pPr>
+          </a:lstStyle>
+          <a:p>
+            <a:pPr algn="just"/>
+            <a:r>
+              <a:rPr lang="en-US" sz="2400" b="1" dirty="0">
+                <a:solidFill>
+                  <a:schemeClr val="tx1"/>
+                </a:solidFill>
+                <a:latin typeface="Cambria" panose="02040503050406030204" pitchFamily="18" charset="0"/>
+                <a:ea typeface="Cambria" panose="02040503050406030204" pitchFamily="18" charset="0"/>
+              </a:rPr>
+              <a:t>Multi-Layer Perceptron (MLP)</a:t>
+            </a:r>
+          </a:p>
+          <a:p>
+            <a:pPr marL="342900" indent="-342900">
+              <a:buFont typeface="Arial" pitchFamily="34" charset="0"/>
+              <a:buChar char="•"/>
+            </a:pPr>
+            <a:r>
+              <a:rPr lang="en-US" sz="2400" dirty="0">
+                <a:solidFill>
+                  <a:schemeClr val="tx1"/>
+                </a:solidFill>
+                <a:latin typeface="Cambria" panose="02040503050406030204" pitchFamily="18" charset="0"/>
+                <a:ea typeface="Cambria" panose="02040503050406030204" pitchFamily="18" charset="0"/>
+              </a:rPr>
+              <a:t>Simple Neural Network</a:t>
+            </a:r>
+          </a:p>
+          <a:p>
+            <a:pPr marL="342900" indent="-342900">
+              <a:buFont typeface="Arial" pitchFamily="34" charset="0"/>
+              <a:buChar char="•"/>
+            </a:pPr>
+            <a:r>
+              <a:rPr lang="en-US" sz="2400" dirty="0">
+                <a:solidFill>
+                  <a:schemeClr val="tx1"/>
+                </a:solidFill>
+                <a:latin typeface="Cambria" panose="02040503050406030204" pitchFamily="18" charset="0"/>
+                <a:ea typeface="Cambria" panose="02040503050406030204" pitchFamily="18" charset="0"/>
+              </a:rPr>
+              <a:t>Our model: 2 full-connected hidden layers with </a:t>
+            </a:r>
+            <a:r>
+              <a:rPr lang="en-US" sz="2400" dirty="0" err="1">
+                <a:solidFill>
+                  <a:schemeClr val="tx1"/>
+                </a:solidFill>
+                <a:latin typeface="Cambria" panose="02040503050406030204" pitchFamily="18" charset="0"/>
+                <a:ea typeface="Cambria" panose="02040503050406030204" pitchFamily="18" charset="0"/>
+              </a:rPr>
+              <a:t>ReLU</a:t>
+            </a:r>
+            <a:r>
+              <a:rPr lang="en-US" sz="2400" dirty="0">
+                <a:solidFill>
+                  <a:schemeClr val="tx1"/>
+                </a:solidFill>
+                <a:latin typeface="Cambria" panose="02040503050406030204" pitchFamily="18" charset="0"/>
+                <a:ea typeface="Cambria" panose="02040503050406030204" pitchFamily="18" charset="0"/>
+              </a:rPr>
+              <a:t> activation and output layer with SoftMax activation.</a:t>
+            </a:r>
+          </a:p>
+          <a:p>
+            <a:pPr algn="just"/>
+            <a:endParaRPr lang="en-US" sz="2400" b="1" dirty="0">
+              <a:solidFill>
+                <a:schemeClr val="tx1"/>
+              </a:solidFill>
+              <a:latin typeface="Cambria" panose="02040503050406030204" pitchFamily="18" charset="0"/>
+              <a:ea typeface="Cambria" panose="02040503050406030204" pitchFamily="18" charset="0"/>
+            </a:endParaRPr>
+          </a:p>
+          <a:p>
+            <a:pPr algn="just"/>
+            <a:endParaRPr lang="en-US" sz="2400" b="1" dirty="0">
+              <a:solidFill>
+                <a:schemeClr val="tx1"/>
+              </a:solidFill>
+              <a:latin typeface="Cambria" panose="02040503050406030204" pitchFamily="18" charset="0"/>
+              <a:ea typeface="Cambria" panose="02040503050406030204" pitchFamily="18" charset="0"/>
+            </a:endParaRPr>
+          </a:p>
+          <a:p>
+            <a:pPr algn="just"/>
+            <a:r>
+              <a:rPr lang="en-US" sz="2400" b="1" dirty="0">
+                <a:solidFill>
+                  <a:schemeClr val="tx1"/>
+                </a:solidFill>
+                <a:latin typeface="Cambria" panose="02040503050406030204" pitchFamily="18" charset="0"/>
+                <a:ea typeface="Cambria" panose="02040503050406030204" pitchFamily="18" charset="0"/>
+              </a:rPr>
+              <a:t>Convolutional Neural Network</a:t>
+            </a:r>
+          </a:p>
+          <a:p>
+            <a:pPr marL="342900" indent="-342900">
+              <a:buFont typeface="Arial" pitchFamily="34" charset="0"/>
+              <a:buChar char="•"/>
+            </a:pPr>
+            <a:r>
+              <a:rPr lang="en-US" sz="2400" dirty="0">
+                <a:solidFill>
+                  <a:schemeClr val="tx1"/>
+                </a:solidFill>
+                <a:latin typeface="Cambria" panose="02040503050406030204" pitchFamily="18" charset="0"/>
+                <a:ea typeface="Cambria" panose="02040503050406030204" pitchFamily="18" charset="0"/>
+              </a:rPr>
+              <a:t>Regularized version of MLP</a:t>
+            </a:r>
+          </a:p>
+          <a:p>
+            <a:pPr marL="342900" indent="-342900">
+              <a:buFont typeface="Arial" pitchFamily="34" charset="0"/>
+              <a:buChar char="•"/>
+            </a:pPr>
+            <a:r>
+              <a:rPr lang="en-US" sz="2400" dirty="0">
+                <a:solidFill>
+                  <a:schemeClr val="tx1"/>
+                </a:solidFill>
+                <a:latin typeface="Cambria" panose="02040503050406030204" pitchFamily="18" charset="0"/>
+                <a:ea typeface="Cambria" panose="02040503050406030204" pitchFamily="18" charset="0"/>
+              </a:rPr>
+              <a:t>Our model: 3 convolutional layers with 2 x 2 max pooling and output layer with SoftMax activation.</a:t>
+            </a:r>
+            <a:endParaRPr lang="en-US" sz="2400" b="1" dirty="0">
+              <a:solidFill>
+                <a:schemeClr val="tx1"/>
+              </a:solidFill>
+              <a:latin typeface="Cambria" panose="02040503050406030204" pitchFamily="18" charset="0"/>
+              <a:ea typeface="Cambria" panose="02040503050406030204" pitchFamily="18" charset="0"/>
+            </a:endParaRPr>
+          </a:p>
+          <a:p>
+            <a:pPr marL="342900" indent="-342900" algn="just">
+              <a:buFont typeface="Arial" pitchFamily="34" charset="0"/>
+              <a:buChar char="•"/>
+            </a:pPr>
+            <a:endParaRPr lang="en-US" sz="2400" b="1" dirty="0">
+              <a:solidFill>
+                <a:schemeClr val="tx1"/>
+              </a:solidFill>
+              <a:latin typeface="Cambria" panose="02040503050406030204" pitchFamily="18" charset="0"/>
+              <a:ea typeface="Cambria" panose="02040503050406030204" pitchFamily="18" charset="0"/>
+            </a:endParaRPr>
+          </a:p>
+        </p:txBody>
+      </p:sp>
+      <p:pic>
+        <p:nvPicPr>
+          <p:cNvPr id="1030" name="Picture 6" descr="cnnexample">
+            <a:extLst>
+              <a:ext uri="{FF2B5EF4-FFF2-40B4-BE49-F238E27FC236}">
+                <a16:creationId xmlns:a16="http://schemas.microsoft.com/office/drawing/2014/main" id="{BC80AA60-AEBB-412E-8052-4AA1EE9F1307}"/>
+              </a:ext>
+            </a:extLst>
+          </p:cNvPr>
+          <p:cNvPicPr>
+            <a:picLocks noChangeAspect="1" noChangeArrowheads="1"/>
+          </p:cNvPicPr>
+          <p:nvPr/>
+        </p:nvPicPr>
+        <p:blipFill>
+          <a:blip r:embed="rId6">
+            <a:extLst>
+              <a:ext uri="{28A0092B-C50C-407E-A947-70E740481C1C}">
+                <a14:useLocalDpi xmlns:a14="http://schemas.microsoft.com/office/drawing/2010/main" val="0"/>
+              </a:ext>
+            </a:extLst>
+          </a:blip>
+          <a:srcRect/>
+          <a:stretch>
+            <a:fillRect/>
+          </a:stretch>
+        </p:blipFill>
+        <p:spPr bwMode="auto">
+          <a:xfrm>
+            <a:off x="13622452" y="7585494"/>
+            <a:ext cx="6257112" cy="2834640"/>
+          </a:xfrm>
+          <a:prstGeom prst="rect">
+            <a:avLst/>
+          </a:prstGeom>
+          <a:noFill/>
+          <a:extLst>
+            <a:ext uri="{909E8E84-426E-40DD-AFC4-6F175D3DCCD1}">
+              <a14:hiddenFill xmlns:a14="http://schemas.microsoft.com/office/drawing/2010/main">
+                <a:solidFill>
+                  <a:srgbClr val="FFFFFF"/>
+                </a:solidFill>
+              </a14:hiddenFill>
+            </a:ext>
+          </a:extLst>
+        </p:spPr>
+      </p:pic>
+      <p:pic>
+        <p:nvPicPr>
+          <p:cNvPr id="1032" name="Picture 8" descr="mlp">
+            <a:extLst>
+              <a:ext uri="{FF2B5EF4-FFF2-40B4-BE49-F238E27FC236}">
+                <a16:creationId xmlns:a16="http://schemas.microsoft.com/office/drawing/2014/main" id="{18FE9B4D-5740-4A0D-8767-CA4617CE95B2}"/>
+              </a:ext>
+            </a:extLst>
+          </p:cNvPr>
+          <p:cNvPicPr>
+            <a:picLocks noChangeAspect="1" noChangeArrowheads="1"/>
+          </p:cNvPicPr>
+          <p:nvPr/>
+        </p:nvPicPr>
+        <p:blipFill>
+          <a:blip r:embed="rId7">
+            <a:extLst>
+              <a:ext uri="{28A0092B-C50C-407E-A947-70E740481C1C}">
+                <a14:useLocalDpi xmlns:a14="http://schemas.microsoft.com/office/drawing/2010/main" val="0"/>
+              </a:ext>
+            </a:extLst>
+          </a:blip>
+          <a:srcRect/>
+          <a:stretch>
+            <a:fillRect/>
+          </a:stretch>
+        </p:blipFill>
+        <p:spPr bwMode="auto">
+          <a:xfrm>
+            <a:off x="7582642" y="7678557"/>
+            <a:ext cx="5054599" cy="2743200"/>
+          </a:xfrm>
+          <a:prstGeom prst="rect">
+            <a:avLst/>
+          </a:prstGeom>
+          <a:noFill/>
+          <a:extLst>
+            <a:ext uri="{909E8E84-426E-40DD-AFC4-6F175D3DCCD1}">
+              <a14:hiddenFill xmlns:a14="http://schemas.microsoft.com/office/drawing/2010/main">
+                <a:solidFill>
+                  <a:srgbClr val="FFFFFF"/>
+                </a:solidFill>
+              </a14:hiddenFill>
+            </a:ext>
+          </a:extLst>
+        </p:spPr>
+      </p:pic>
+      <p:graphicFrame>
+        <p:nvGraphicFramePr>
+          <p:cNvPr id="2" name="Table 1">
+            <a:extLst>
+              <a:ext uri="{FF2B5EF4-FFF2-40B4-BE49-F238E27FC236}">
+                <a16:creationId xmlns:a16="http://schemas.microsoft.com/office/drawing/2014/main" id="{23B35B55-619C-4C3B-BD11-0BA952CE57CC}"/>
+              </a:ext>
+            </a:extLst>
+          </p:cNvPr>
+          <p:cNvGraphicFramePr>
+            <a:graphicFrameLocks noGrp="1"/>
+          </p:cNvGraphicFramePr>
+          <p:nvPr>
+            <p:extLst>
+              <p:ext uri="{D42A27DB-BD31-4B8C-83A1-F6EECF244321}">
+                <p14:modId xmlns:p14="http://schemas.microsoft.com/office/powerpoint/2010/main" val="1293063017"/>
+              </p:ext>
+            </p:extLst>
+          </p:nvPr>
+        </p:nvGraphicFramePr>
+        <p:xfrm>
+          <a:off x="7373933" y="13112541"/>
+          <a:ext cx="12652836" cy="2302852"/>
+        </p:xfrm>
+        <a:graphic>
+          <a:graphicData uri="http://schemas.openxmlformats.org/drawingml/2006/table">
+            <a:tbl>
+              <a:tblPr firstRow="1" bandRow="1">
+                <a:tableStyleId>{21E4AEA4-8DFA-4A89-87EB-49C32662AFE0}</a:tableStyleId>
+              </a:tblPr>
+              <a:tblGrid>
+                <a:gridCol w="2108806">
+                  <a:extLst>
+                    <a:ext uri="{9D8B030D-6E8A-4147-A177-3AD203B41FA5}">
+                      <a16:colId xmlns:a16="http://schemas.microsoft.com/office/drawing/2014/main" val="1511986680"/>
+                    </a:ext>
+                  </a:extLst>
+                </a:gridCol>
+                <a:gridCol w="2108806">
+                  <a:extLst>
+                    <a:ext uri="{9D8B030D-6E8A-4147-A177-3AD203B41FA5}">
+                      <a16:colId xmlns:a16="http://schemas.microsoft.com/office/drawing/2014/main" val="36923168"/>
+                    </a:ext>
+                  </a:extLst>
+                </a:gridCol>
+                <a:gridCol w="2108806">
+                  <a:extLst>
+                    <a:ext uri="{9D8B030D-6E8A-4147-A177-3AD203B41FA5}">
+                      <a16:colId xmlns:a16="http://schemas.microsoft.com/office/drawing/2014/main" val="1653185558"/>
+                    </a:ext>
+                  </a:extLst>
+                </a:gridCol>
+                <a:gridCol w="2108806">
+                  <a:extLst>
+                    <a:ext uri="{9D8B030D-6E8A-4147-A177-3AD203B41FA5}">
+                      <a16:colId xmlns:a16="http://schemas.microsoft.com/office/drawing/2014/main" val="3407322769"/>
+                    </a:ext>
+                  </a:extLst>
+                </a:gridCol>
+                <a:gridCol w="2108806">
+                  <a:extLst>
+                    <a:ext uri="{9D8B030D-6E8A-4147-A177-3AD203B41FA5}">
+                      <a16:colId xmlns:a16="http://schemas.microsoft.com/office/drawing/2014/main" val="2422185158"/>
+                    </a:ext>
+                  </a:extLst>
+                </a:gridCol>
+                <a:gridCol w="2108806">
+                  <a:extLst>
+                    <a:ext uri="{9D8B030D-6E8A-4147-A177-3AD203B41FA5}">
+                      <a16:colId xmlns:a16="http://schemas.microsoft.com/office/drawing/2014/main" val="184680005"/>
+                    </a:ext>
+                  </a:extLst>
+                </a:gridCol>
+              </a:tblGrid>
+              <a:tr h="206666">
+                <a:tc>
+                  <a:txBody>
+                    <a:bodyPr/>
+                    <a:lstStyle/>
+                    <a:p>
+                      <a:r>
+                        <a:rPr lang="en-US" sz="2000" dirty="0"/>
+                        <a:t>Method</a:t>
+                      </a:r>
+                      <a:endParaRPr lang="en-US" sz="2000" dirty="0">
+                        <a:latin typeface="Trebuchet MS" panose="020B0603020202020204" pitchFamily="34" charset="0"/>
+                        <a:ea typeface="Cambria" panose="02040503050406030204" pitchFamily="18" charset="0"/>
+                      </a:endParaRPr>
+                    </a:p>
+                  </a:txBody>
+                  <a:tcPr/>
+                </a:tc>
+                <a:tc>
+                  <a:txBody>
+                    <a:bodyPr/>
+                    <a:lstStyle/>
+                    <a:p>
+                      <a:r>
+                        <a:rPr lang="en-US" sz="2000" dirty="0"/>
+                        <a:t>Train Loss</a:t>
+                      </a:r>
+                      <a:endParaRPr lang="en-US" sz="2000" dirty="0">
+                        <a:latin typeface="Trebuchet MS" panose="020B0603020202020204" pitchFamily="34" charset="0"/>
+                        <a:ea typeface="Cambria" panose="02040503050406030204" pitchFamily="18" charset="0"/>
+                      </a:endParaRPr>
+                    </a:p>
+                  </a:txBody>
+                  <a:tcPr/>
+                </a:tc>
+                <a:tc>
+                  <a:txBody>
+                    <a:bodyPr/>
+                    <a:lstStyle/>
+                    <a:p>
+                      <a:r>
+                        <a:rPr lang="en-US" sz="2000" dirty="0"/>
+                        <a:t>Test Loss</a:t>
+                      </a:r>
+                      <a:endParaRPr lang="en-US" sz="2000" dirty="0">
+                        <a:latin typeface="Trebuchet MS" panose="020B0603020202020204" pitchFamily="34" charset="0"/>
+                        <a:ea typeface="Cambria" panose="02040503050406030204" pitchFamily="18" charset="0"/>
+                      </a:endParaRPr>
+                    </a:p>
+                  </a:txBody>
+                  <a:tcPr/>
+                </a:tc>
+                <a:tc>
+                  <a:txBody>
+                    <a:bodyPr/>
+                    <a:lstStyle/>
+                    <a:p>
+                      <a:r>
+                        <a:rPr lang="en-US" sz="2000" dirty="0"/>
+                        <a:t>Accuracy</a:t>
+                      </a:r>
+                      <a:endParaRPr lang="en-US" sz="2000" dirty="0">
+                        <a:latin typeface="Trebuchet MS" panose="020B0603020202020204" pitchFamily="34" charset="0"/>
+                        <a:ea typeface="Cambria" panose="02040503050406030204" pitchFamily="18" charset="0"/>
+                      </a:endParaRPr>
+                    </a:p>
+                  </a:txBody>
+                  <a:tcPr/>
+                </a:tc>
+                <a:tc>
+                  <a:txBody>
+                    <a:bodyPr/>
+                    <a:lstStyle/>
+                    <a:p>
+                      <a:r>
+                        <a:rPr lang="en-US" sz="2000" dirty="0"/>
+                        <a:t>Precision</a:t>
+                      </a:r>
+                      <a:endParaRPr lang="en-US" sz="2000" dirty="0">
+                        <a:latin typeface="Trebuchet MS" panose="020B0603020202020204" pitchFamily="34" charset="0"/>
+                        <a:ea typeface="Cambria" panose="02040503050406030204" pitchFamily="18" charset="0"/>
+                      </a:endParaRPr>
+                    </a:p>
+                  </a:txBody>
+                  <a:tcPr/>
+                </a:tc>
+                <a:tc>
+                  <a:txBody>
+                    <a:bodyPr/>
+                    <a:lstStyle/>
+                    <a:p>
+                      <a:r>
+                        <a:rPr lang="en-US" sz="2000" dirty="0"/>
+                        <a:t>Recall</a:t>
+                      </a:r>
+                      <a:endParaRPr lang="en-US" sz="2000" dirty="0">
+                        <a:latin typeface="Trebuchet MS" panose="020B0603020202020204" pitchFamily="34" charset="0"/>
+                        <a:ea typeface="Cambria" panose="02040503050406030204" pitchFamily="18" charset="0"/>
+                      </a:endParaRPr>
+                    </a:p>
+                  </a:txBody>
+                  <a:tcPr/>
+                </a:tc>
+                <a:extLst>
+                  <a:ext uri="{0D108BD9-81ED-4DB2-BD59-A6C34878D82A}">
+                    <a16:rowId xmlns:a16="http://schemas.microsoft.com/office/drawing/2014/main" val="3188780397"/>
+                  </a:ext>
+                </a:extLst>
+              </a:tr>
+              <a:tr h="476653">
+                <a:tc>
+                  <a:txBody>
+                    <a:bodyPr/>
+                    <a:lstStyle/>
+                    <a:p>
+                      <a:r>
+                        <a:rPr lang="en-US" sz="2000" dirty="0"/>
+                        <a:t>Logistic Reg</a:t>
+                      </a:r>
+                      <a:endParaRPr lang="en-US" sz="2000" dirty="0">
+                        <a:latin typeface="Trebuchet MS" panose="020B0603020202020204" pitchFamily="34" charset="0"/>
+                        <a:ea typeface="Cambria" panose="02040503050406030204" pitchFamily="18" charset="0"/>
+                      </a:endParaRPr>
+                    </a:p>
+                  </a:txBody>
+                  <a:tcPr anchor="ctr"/>
+                </a:tc>
+                <a:tc>
+                  <a:txBody>
+                    <a:bodyPr/>
+                    <a:lstStyle/>
+                    <a:p>
+                      <a:r>
+                        <a:rPr lang="en-US" sz="2000" dirty="0"/>
+                        <a:t>9.9290</a:t>
+                      </a:r>
+                      <a:endParaRPr lang="en-US" sz="2000" dirty="0">
+                        <a:latin typeface="Trebuchet MS" panose="020B0603020202020204" pitchFamily="34" charset="0"/>
+                      </a:endParaRPr>
+                    </a:p>
+                  </a:txBody>
+                  <a:tcPr anchor="ctr"/>
+                </a:tc>
+                <a:tc>
+                  <a:txBody>
+                    <a:bodyPr/>
+                    <a:lstStyle/>
+                    <a:p>
+                      <a:r>
+                        <a:rPr lang="en-US" sz="2000" dirty="0"/>
+                        <a:t>10.2584</a:t>
+                      </a:r>
+                      <a:endParaRPr lang="en-US" sz="2000" dirty="0">
+                        <a:latin typeface="Trebuchet MS" panose="020B0603020202020204" pitchFamily="34" charset="0"/>
+                      </a:endParaRPr>
+                    </a:p>
+                  </a:txBody>
+                  <a:tcPr anchor="ctr"/>
+                </a:tc>
+                <a:tc>
+                  <a:txBody>
+                    <a:bodyPr/>
+                    <a:lstStyle/>
+                    <a:p>
+                      <a:r>
+                        <a:rPr lang="en-US" sz="2000" dirty="0"/>
+                        <a:t>0.7030</a:t>
+                      </a:r>
+                      <a:endParaRPr lang="en-US" sz="2000" dirty="0">
+                        <a:latin typeface="Trebuchet MS" panose="020B0603020202020204" pitchFamily="34" charset="0"/>
+                      </a:endParaRPr>
+                    </a:p>
+                  </a:txBody>
+                  <a:tcPr anchor="ctr"/>
+                </a:tc>
+                <a:tc>
+                  <a:txBody>
+                    <a:bodyPr/>
+                    <a:lstStyle/>
+                    <a:p>
+                      <a:r>
+                        <a:rPr lang="en-US" sz="2000" dirty="0"/>
+                        <a:t>0.70</a:t>
+                      </a:r>
+                      <a:endParaRPr lang="en-US" sz="2000" dirty="0">
+                        <a:latin typeface="Trebuchet MS" panose="020B0603020202020204" pitchFamily="34" charset="0"/>
+                      </a:endParaRPr>
+                    </a:p>
+                  </a:txBody>
+                  <a:tcPr anchor="ctr"/>
+                </a:tc>
+                <a:tc>
+                  <a:txBody>
+                    <a:bodyPr/>
+                    <a:lstStyle/>
+                    <a:p>
+                      <a:r>
+                        <a:rPr lang="en-US" sz="2000" dirty="0"/>
+                        <a:t>0.70</a:t>
+                      </a:r>
+                      <a:endParaRPr lang="en-US" sz="2000" dirty="0">
+                        <a:latin typeface="Trebuchet MS" panose="020B0603020202020204" pitchFamily="34" charset="0"/>
+                      </a:endParaRPr>
+                    </a:p>
+                  </a:txBody>
+                  <a:tcPr anchor="ctr"/>
+                </a:tc>
+                <a:extLst>
+                  <a:ext uri="{0D108BD9-81ED-4DB2-BD59-A6C34878D82A}">
+                    <a16:rowId xmlns:a16="http://schemas.microsoft.com/office/drawing/2014/main" val="2717652041"/>
+                  </a:ext>
+                </a:extLst>
+              </a:tr>
+              <a:tr h="476653">
+                <a:tc>
+                  <a:txBody>
+                    <a:bodyPr/>
+                    <a:lstStyle/>
+                    <a:p>
+                      <a:r>
+                        <a:rPr lang="en-US" sz="2000" dirty="0"/>
+                        <a:t>Naïve Bayes</a:t>
+                      </a:r>
+                      <a:endParaRPr lang="en-US" sz="2000" dirty="0">
+                        <a:latin typeface="Trebuchet MS" panose="020B0603020202020204" pitchFamily="34" charset="0"/>
+                        <a:ea typeface="Cambria" panose="02040503050406030204" pitchFamily="18" charset="0"/>
+                      </a:endParaRPr>
+                    </a:p>
+                  </a:txBody>
+                  <a:tcPr anchor="ctr"/>
+                </a:tc>
+                <a:tc>
+                  <a:txBody>
+                    <a:bodyPr/>
+                    <a:lstStyle/>
+                    <a:p>
+                      <a:r>
+                        <a:rPr lang="en-US" sz="2000" dirty="0"/>
+                        <a:t>15.6298</a:t>
+                      </a:r>
+                      <a:endParaRPr lang="en-US" sz="2000" dirty="0">
+                        <a:latin typeface="Trebuchet MS" panose="020B0603020202020204" pitchFamily="34" charset="0"/>
+                      </a:endParaRPr>
+                    </a:p>
+                  </a:txBody>
+                  <a:tcPr anchor="ctr"/>
+                </a:tc>
+                <a:tc>
+                  <a:txBody>
+                    <a:bodyPr/>
+                    <a:lstStyle/>
+                    <a:p>
+                      <a:r>
+                        <a:rPr lang="en-US" sz="2000" dirty="0"/>
+                        <a:t>15.5872</a:t>
+                      </a:r>
+                      <a:endParaRPr lang="en-US" sz="2000" dirty="0">
+                        <a:latin typeface="Trebuchet MS" panose="020B0603020202020204" pitchFamily="34" charset="0"/>
+                      </a:endParaRPr>
+                    </a:p>
+                  </a:txBody>
+                  <a:tcPr anchor="ctr"/>
+                </a:tc>
+                <a:tc>
+                  <a:txBody>
+                    <a:bodyPr/>
+                    <a:lstStyle/>
+                    <a:p>
+                      <a:r>
+                        <a:rPr lang="en-US" sz="2000" dirty="0"/>
+                        <a:t>0.5487</a:t>
+                      </a:r>
+                      <a:endParaRPr lang="en-US" sz="2000" dirty="0">
+                        <a:latin typeface="Trebuchet MS" panose="020B0603020202020204" pitchFamily="34" charset="0"/>
+                      </a:endParaRPr>
+                    </a:p>
+                  </a:txBody>
+                  <a:tcPr anchor="ctr"/>
+                </a:tc>
+                <a:tc>
+                  <a:txBody>
+                    <a:bodyPr/>
+                    <a:lstStyle/>
+                    <a:p>
+                      <a:r>
+                        <a:rPr lang="en-US" sz="2000" dirty="0"/>
+                        <a:t>0.56</a:t>
+                      </a:r>
+                      <a:endParaRPr lang="en-US" sz="2000" dirty="0">
+                        <a:latin typeface="Trebuchet MS" panose="020B0603020202020204" pitchFamily="34" charset="0"/>
+                      </a:endParaRPr>
+                    </a:p>
+                  </a:txBody>
+                  <a:tcPr anchor="ctr"/>
+                </a:tc>
+                <a:tc>
+                  <a:txBody>
+                    <a:bodyPr/>
+                    <a:lstStyle/>
+                    <a:p>
+                      <a:r>
+                        <a:rPr lang="en-US" sz="2000" dirty="0"/>
+                        <a:t>0.55</a:t>
+                      </a:r>
+                      <a:endParaRPr lang="en-US" sz="2000" dirty="0">
+                        <a:latin typeface="Trebuchet MS" panose="020B0603020202020204" pitchFamily="34" charset="0"/>
+                      </a:endParaRPr>
+                    </a:p>
+                  </a:txBody>
+                  <a:tcPr anchor="ctr"/>
+                </a:tc>
+                <a:extLst>
+                  <a:ext uri="{0D108BD9-81ED-4DB2-BD59-A6C34878D82A}">
+                    <a16:rowId xmlns:a16="http://schemas.microsoft.com/office/drawing/2014/main" val="2813184277"/>
+                  </a:ext>
+                </a:extLst>
+              </a:tr>
+              <a:tr h="476653">
+                <a:tc>
+                  <a:txBody>
+                    <a:bodyPr/>
+                    <a:lstStyle/>
+                    <a:p>
+                      <a:r>
+                        <a:rPr lang="en-US" sz="2000" dirty="0"/>
+                        <a:t>MLP</a:t>
+                      </a:r>
+                      <a:endParaRPr lang="en-US" sz="2000" dirty="0">
+                        <a:latin typeface="Trebuchet MS" panose="020B0603020202020204" pitchFamily="34" charset="0"/>
+                        <a:ea typeface="Cambria" panose="02040503050406030204" pitchFamily="18" charset="0"/>
+                      </a:endParaRPr>
+                    </a:p>
+                  </a:txBody>
+                  <a:tcPr anchor="ctr"/>
+                </a:tc>
+                <a:tc>
+                  <a:txBody>
+                    <a:bodyPr/>
+                    <a:lstStyle/>
+                    <a:p>
+                      <a:endParaRPr lang="en-US" sz="2000" dirty="0">
+                        <a:latin typeface="Trebuchet MS" panose="020B0603020202020204" pitchFamily="34" charset="0"/>
+                      </a:endParaRPr>
+                    </a:p>
+                  </a:txBody>
+                  <a:tcPr anchor="ctr"/>
+                </a:tc>
+                <a:tc>
+                  <a:txBody>
+                    <a:bodyPr/>
+                    <a:lstStyle/>
+                    <a:p>
+                      <a:endParaRPr lang="en-US" sz="2000" dirty="0">
+                        <a:latin typeface="Trebuchet MS" panose="020B0603020202020204" pitchFamily="34" charset="0"/>
+                      </a:endParaRPr>
+                    </a:p>
+                  </a:txBody>
+                  <a:tcPr anchor="ctr"/>
+                </a:tc>
+                <a:tc>
+                  <a:txBody>
+                    <a:bodyPr/>
+                    <a:lstStyle/>
+                    <a:p>
+                      <a:endParaRPr lang="en-US" sz="2000" dirty="0">
+                        <a:latin typeface="Trebuchet MS" panose="020B0603020202020204" pitchFamily="34" charset="0"/>
+                      </a:endParaRPr>
+                    </a:p>
+                  </a:txBody>
+                  <a:tcPr anchor="ctr"/>
+                </a:tc>
+                <a:tc>
+                  <a:txBody>
+                    <a:bodyPr/>
+                    <a:lstStyle/>
+                    <a:p>
+                      <a:endParaRPr lang="en-US" sz="2000" dirty="0">
+                        <a:latin typeface="Trebuchet MS" panose="020B0603020202020204" pitchFamily="34" charset="0"/>
+                      </a:endParaRPr>
+                    </a:p>
+                  </a:txBody>
+                  <a:tcPr anchor="ctr"/>
+                </a:tc>
+                <a:tc>
+                  <a:txBody>
+                    <a:bodyPr/>
+                    <a:lstStyle/>
+                    <a:p>
+                      <a:endParaRPr lang="en-US" sz="2000" dirty="0">
+                        <a:latin typeface="Trebuchet MS" panose="020B0603020202020204" pitchFamily="34" charset="0"/>
+                      </a:endParaRPr>
+                    </a:p>
+                  </a:txBody>
+                  <a:tcPr anchor="ctr"/>
+                </a:tc>
+                <a:extLst>
+                  <a:ext uri="{0D108BD9-81ED-4DB2-BD59-A6C34878D82A}">
+                    <a16:rowId xmlns:a16="http://schemas.microsoft.com/office/drawing/2014/main" val="3882929217"/>
+                  </a:ext>
+                </a:extLst>
+              </a:tr>
+              <a:tr h="476653">
+                <a:tc>
+                  <a:txBody>
+                    <a:bodyPr/>
+                    <a:lstStyle/>
+                    <a:p>
+                      <a:r>
+                        <a:rPr lang="en-US" sz="2000" dirty="0"/>
+                        <a:t>CNN</a:t>
+                      </a:r>
+                      <a:endParaRPr lang="en-US" sz="2000" dirty="0">
+                        <a:latin typeface="Trebuchet MS" panose="020B0603020202020204" pitchFamily="34" charset="0"/>
+                        <a:ea typeface="Cambria" panose="02040503050406030204" pitchFamily="18" charset="0"/>
+                      </a:endParaRPr>
+                    </a:p>
+                  </a:txBody>
+                  <a:tcPr anchor="ctr"/>
+                </a:tc>
+                <a:tc>
+                  <a:txBody>
+                    <a:bodyPr/>
+                    <a:lstStyle/>
+                    <a:p>
+                      <a:endParaRPr lang="en-US" sz="2000" dirty="0">
+                        <a:latin typeface="Trebuchet MS" panose="020B0603020202020204" pitchFamily="34" charset="0"/>
+                      </a:endParaRPr>
+                    </a:p>
+                  </a:txBody>
+                  <a:tcPr anchor="ctr"/>
+                </a:tc>
+                <a:tc>
+                  <a:txBody>
+                    <a:bodyPr/>
+                    <a:lstStyle/>
+                    <a:p>
+                      <a:endParaRPr lang="en-US" sz="2000" dirty="0">
+                        <a:latin typeface="Trebuchet MS" panose="020B0603020202020204" pitchFamily="34" charset="0"/>
+                      </a:endParaRPr>
+                    </a:p>
+                  </a:txBody>
+                  <a:tcPr anchor="ctr"/>
+                </a:tc>
+                <a:tc>
+                  <a:txBody>
+                    <a:bodyPr/>
+                    <a:lstStyle/>
+                    <a:p>
+                      <a:endParaRPr lang="en-US" sz="2000" dirty="0">
+                        <a:latin typeface="Trebuchet MS" panose="020B0603020202020204" pitchFamily="34" charset="0"/>
+                      </a:endParaRPr>
+                    </a:p>
+                  </a:txBody>
+                  <a:tcPr anchor="ctr"/>
+                </a:tc>
+                <a:tc>
+                  <a:txBody>
+                    <a:bodyPr/>
+                    <a:lstStyle/>
+                    <a:p>
+                      <a:endParaRPr lang="en-US" sz="2000">
+                        <a:latin typeface="Trebuchet MS" panose="020B0603020202020204" pitchFamily="34" charset="0"/>
+                      </a:endParaRPr>
+                    </a:p>
+                  </a:txBody>
+                  <a:tcPr anchor="ctr"/>
+                </a:tc>
+                <a:tc>
+                  <a:txBody>
+                    <a:bodyPr/>
+                    <a:lstStyle/>
+                    <a:p>
+                      <a:endParaRPr lang="en-US" sz="2000" dirty="0">
+                        <a:latin typeface="Trebuchet MS" panose="020B0603020202020204" pitchFamily="34" charset="0"/>
+                      </a:endParaRPr>
+                    </a:p>
+                  </a:txBody>
+                  <a:tcPr anchor="ctr"/>
+                </a:tc>
+                <a:extLst>
+                  <a:ext uri="{0D108BD9-81ED-4DB2-BD59-A6C34878D82A}">
+                    <a16:rowId xmlns:a16="http://schemas.microsoft.com/office/drawing/2014/main" val="2873922378"/>
+                  </a:ext>
+                </a:extLst>
+              </a:tr>
+            </a:tbl>
+          </a:graphicData>
+        </a:graphic>
+      </p:graphicFrame>
+      <p:sp>
+        <p:nvSpPr>
+          <p:cNvPr id="35" name="Text Placeholder 298">
+            <a:extLst>
+              <a:ext uri="{FF2B5EF4-FFF2-40B4-BE49-F238E27FC236}">
+                <a16:creationId xmlns:a16="http://schemas.microsoft.com/office/drawing/2014/main" id="{48791EEF-6116-41C9-B1A5-9675EC9118D6}"/>
+              </a:ext>
+            </a:extLst>
+          </p:cNvPr>
+          <p:cNvSpPr txBox="1">
+            <a:spLocks/>
+          </p:cNvSpPr>
+          <p:nvPr/>
+        </p:nvSpPr>
+        <p:spPr>
+          <a:xfrm>
+            <a:off x="20671690" y="10442026"/>
+            <a:ext cx="6279386" cy="879348"/>
+          </a:xfrm>
+          <a:prstGeom prst="rect">
+            <a:avLst/>
+          </a:prstGeom>
+        </p:spPr>
+        <p:txBody>
+          <a:bodyPr wrap="square" lIns="130622" tIns="130622" rIns="130622" bIns="130622">
+            <a:spAutoFit/>
+          </a:bodyPr>
+          <a:lstStyle>
+            <a:lvl1pPr marL="0" indent="0" algn="l" defTabSz="2388565" rtl="0" eaLnBrk="1" latinLnBrk="0" hangingPunct="1">
+              <a:spcBef>
+                <a:spcPct val="20000"/>
+              </a:spcBef>
+              <a:buFont typeface="Arial" pitchFamily="34" charset="0"/>
+              <a:buNone/>
+              <a:defRPr sz="1143" kern="1200">
+                <a:solidFill>
+                  <a:schemeClr val="accent5">
+                    <a:lumMod val="50000"/>
+                  </a:schemeClr>
+                </a:solidFill>
+                <a:latin typeface="Times New Roman" panose="02020603050405020304" pitchFamily="18" charset="0"/>
+                <a:ea typeface="+mn-ea"/>
+                <a:cs typeface="Times New Roman" panose="02020603050405020304" pitchFamily="18" charset="0"/>
+              </a:defRPr>
+            </a:lvl1pPr>
+            <a:lvl2pPr marL="808629" indent="-311011" algn="l" defTabSz="2388565" rtl="0" eaLnBrk="1" latinLnBrk="0" hangingPunct="1">
+              <a:spcBef>
+                <a:spcPct val="20000"/>
+              </a:spcBef>
+              <a:buFont typeface="Arial" pitchFamily="34" charset="0"/>
+              <a:buChar char="–"/>
+              <a:defRPr sz="1333" kern="1200">
+                <a:solidFill>
+                  <a:schemeClr val="tx1"/>
+                </a:solidFill>
+                <a:latin typeface="Trebuchet MS" pitchFamily="34" charset="0"/>
+                <a:ea typeface="+mn-ea"/>
+                <a:cs typeface="+mn-cs"/>
+              </a:defRPr>
+            </a:lvl2pPr>
+            <a:lvl3pPr marL="1119640" indent="-311011" algn="l" defTabSz="2388565" rtl="0" eaLnBrk="1" latinLnBrk="0" hangingPunct="1">
+              <a:spcBef>
+                <a:spcPct val="20000"/>
+              </a:spcBef>
+              <a:buFont typeface="Arial" pitchFamily="34" charset="0"/>
+              <a:buChar char="•"/>
+              <a:defRPr sz="1333" kern="1200">
+                <a:solidFill>
+                  <a:schemeClr val="tx1"/>
+                </a:solidFill>
+                <a:latin typeface="Trebuchet MS" pitchFamily="34" charset="0"/>
+                <a:ea typeface="+mn-ea"/>
+                <a:cs typeface="+mn-cs"/>
+              </a:defRPr>
+            </a:lvl3pPr>
+            <a:lvl4pPr marL="1461752" indent="-342113" algn="l" defTabSz="2388565" rtl="0" eaLnBrk="1" latinLnBrk="0" hangingPunct="1">
+              <a:spcBef>
+                <a:spcPct val="20000"/>
+              </a:spcBef>
+              <a:buFont typeface="Arial" pitchFamily="34" charset="0"/>
+              <a:buChar char="–"/>
+              <a:defRPr sz="1333" kern="1200">
+                <a:solidFill>
+                  <a:schemeClr val="tx1"/>
+                </a:solidFill>
+                <a:latin typeface="Trebuchet MS" pitchFamily="34" charset="0"/>
+                <a:ea typeface="+mn-ea"/>
+                <a:cs typeface="+mn-cs"/>
+              </a:defRPr>
+            </a:lvl4pPr>
+            <a:lvl5pPr marL="1710561" indent="-248809" algn="l" defTabSz="2388565" rtl="0" eaLnBrk="1" latinLnBrk="0" hangingPunct="1">
+              <a:spcBef>
+                <a:spcPct val="20000"/>
+              </a:spcBef>
+              <a:buFont typeface="Arial" pitchFamily="34" charset="0"/>
+              <a:buChar char="»"/>
+              <a:defRPr sz="1333" kern="1200">
+                <a:solidFill>
+                  <a:schemeClr val="tx1"/>
+                </a:solidFill>
+                <a:latin typeface="Trebuchet MS" pitchFamily="34" charset="0"/>
+                <a:ea typeface="+mn-ea"/>
+                <a:cs typeface="+mn-cs"/>
+              </a:defRPr>
+            </a:lvl5pPr>
+            <a:lvl6pPr marL="6568554" indent="-597141" algn="l" defTabSz="2388565" rtl="0" eaLnBrk="1" latinLnBrk="0" hangingPunct="1">
+              <a:spcBef>
+                <a:spcPct val="20000"/>
+              </a:spcBef>
+              <a:buFont typeface="Arial" pitchFamily="34" charset="0"/>
+              <a:buChar char="•"/>
+              <a:defRPr sz="5238" kern="1200">
+                <a:solidFill>
+                  <a:schemeClr val="tx1"/>
+                </a:solidFill>
+                <a:latin typeface="+mn-lt"/>
+                <a:ea typeface="+mn-ea"/>
+                <a:cs typeface="+mn-cs"/>
+              </a:defRPr>
+            </a:lvl6pPr>
+            <a:lvl7pPr marL="7762836" indent="-597141" algn="l" defTabSz="2388565" rtl="0" eaLnBrk="1" latinLnBrk="0" hangingPunct="1">
+              <a:spcBef>
+                <a:spcPct val="20000"/>
+              </a:spcBef>
+              <a:buFont typeface="Arial" pitchFamily="34" charset="0"/>
+              <a:buChar char="•"/>
+              <a:defRPr sz="5238" kern="1200">
+                <a:solidFill>
+                  <a:schemeClr val="tx1"/>
+                </a:solidFill>
+                <a:latin typeface="+mn-lt"/>
+                <a:ea typeface="+mn-ea"/>
+                <a:cs typeface="+mn-cs"/>
+              </a:defRPr>
+            </a:lvl7pPr>
+            <a:lvl8pPr marL="8957119" indent="-597141" algn="l" defTabSz="2388565" rtl="0" eaLnBrk="1" latinLnBrk="0" hangingPunct="1">
+              <a:spcBef>
+                <a:spcPct val="20000"/>
+              </a:spcBef>
+              <a:buFont typeface="Arial" pitchFamily="34" charset="0"/>
+              <a:buChar char="•"/>
+              <a:defRPr sz="5238" kern="1200">
+                <a:solidFill>
+                  <a:schemeClr val="tx1"/>
+                </a:solidFill>
+                <a:latin typeface="+mn-lt"/>
+                <a:ea typeface="+mn-ea"/>
+                <a:cs typeface="+mn-cs"/>
+              </a:defRPr>
+            </a:lvl8pPr>
+            <a:lvl9pPr marL="10151401" indent="-597141" algn="l" defTabSz="2388565" rtl="0" eaLnBrk="1" latinLnBrk="0" hangingPunct="1">
+              <a:spcBef>
+                <a:spcPct val="20000"/>
+              </a:spcBef>
+              <a:buFont typeface="Arial" pitchFamily="34" charset="0"/>
+              <a:buChar char="•"/>
+              <a:defRPr sz="5238" kern="1200">
+                <a:solidFill>
+                  <a:schemeClr val="tx1"/>
+                </a:solidFill>
+                <a:latin typeface="+mn-lt"/>
+                <a:ea typeface="+mn-ea"/>
+                <a:cs typeface="+mn-cs"/>
+              </a:defRPr>
+            </a:lvl9pPr>
+          </a:lstStyle>
+          <a:p>
+            <a:pPr algn="just"/>
+            <a:r>
+              <a:rPr lang="en-US" sz="2000" dirty="0">
+                <a:solidFill>
+                  <a:schemeClr val="tx1"/>
+                </a:solidFill>
+                <a:latin typeface="Cambria" panose="02040503050406030204" pitchFamily="18" charset="0"/>
+                <a:ea typeface="Cambria" panose="02040503050406030204" pitchFamily="18" charset="0"/>
+              </a:rPr>
+              <a:t>Note: All methods were implemented using </a:t>
+            </a:r>
+            <a:r>
+              <a:rPr lang="en-US" sz="2000" dirty="0" err="1">
+                <a:solidFill>
+                  <a:schemeClr val="tx1"/>
+                </a:solidFill>
+                <a:latin typeface="Cambria" panose="02040503050406030204" pitchFamily="18" charset="0"/>
+                <a:ea typeface="Cambria" panose="02040503050406030204" pitchFamily="18" charset="0"/>
+              </a:rPr>
+              <a:t>Scikit</a:t>
+            </a:r>
+            <a:r>
+              <a:rPr lang="en-US" sz="2000" dirty="0">
+                <a:solidFill>
+                  <a:schemeClr val="tx1"/>
+                </a:solidFill>
+                <a:latin typeface="Cambria" panose="02040503050406030204" pitchFamily="18" charset="0"/>
+                <a:ea typeface="Cambria" panose="02040503050406030204" pitchFamily="18" charset="0"/>
+              </a:rPr>
+              <a:t>-learn</a:t>
+            </a:r>
+            <a:r>
+              <a:rPr lang="en-US" sz="2000" baseline="30000" dirty="0">
+                <a:solidFill>
+                  <a:schemeClr val="tx1"/>
+                </a:solidFill>
+                <a:latin typeface="Cambria" panose="02040503050406030204" pitchFamily="18" charset="0"/>
+                <a:ea typeface="Cambria" panose="02040503050406030204" pitchFamily="18" charset="0"/>
+              </a:rPr>
+              <a:t>[2]</a:t>
+            </a:r>
+            <a:r>
+              <a:rPr lang="en-US" sz="2000" dirty="0">
+                <a:solidFill>
+                  <a:schemeClr val="tx1"/>
+                </a:solidFill>
+                <a:latin typeface="Cambria" panose="02040503050406030204" pitchFamily="18" charset="0"/>
+                <a:ea typeface="Cambria" panose="02040503050406030204" pitchFamily="18" charset="0"/>
+              </a:rPr>
+              <a:t> and </a:t>
+            </a:r>
+            <a:r>
+              <a:rPr lang="en-US" sz="2000" dirty="0" err="1">
+                <a:solidFill>
+                  <a:schemeClr val="tx1"/>
+                </a:solidFill>
+                <a:latin typeface="Cambria" panose="02040503050406030204" pitchFamily="18" charset="0"/>
+                <a:ea typeface="Cambria" panose="02040503050406030204" pitchFamily="18" charset="0"/>
+              </a:rPr>
+              <a:t>Keras</a:t>
+            </a:r>
+            <a:r>
+              <a:rPr lang="en-US" sz="2000" baseline="30000" dirty="0">
+                <a:solidFill>
+                  <a:schemeClr val="tx1"/>
+                </a:solidFill>
+                <a:latin typeface="Cambria" panose="02040503050406030204" pitchFamily="18" charset="0"/>
+                <a:ea typeface="Cambria" panose="02040503050406030204" pitchFamily="18" charset="0"/>
+              </a:rPr>
+              <a:t>[3]</a:t>
+            </a:r>
+            <a:r>
+              <a:rPr lang="en-US" sz="2000" dirty="0">
+                <a:solidFill>
+                  <a:schemeClr val="tx1"/>
+                </a:solidFill>
+                <a:latin typeface="Cambria" panose="02040503050406030204" pitchFamily="18" charset="0"/>
+                <a:ea typeface="Cambria" panose="02040503050406030204" pitchFamily="18" charset="0"/>
+              </a:rPr>
+              <a:t>.</a:t>
+            </a:r>
           </a:p>
         </p:txBody>
       </p:sp>

--- a/poster.pptx
+++ b/poster.pptx
@@ -18414,7 +18414,7 @@
                 <a:latin typeface="Trebuchet MS" panose="020B0603020202020204" pitchFamily="34" charset="0"/>
                 <a:ea typeface="Cambria" panose="02040503050406030204" pitchFamily="18" charset="0"/>
               </a:rPr>
-              <a:t>INTRODUCTION</a:t>
+              <a:t>ABSTRACT</a:t>
             </a:r>
             <a:endParaRPr lang="en-US" u="none" dirty="0">
               <a:latin typeface="Trebuchet MS" panose="020B0603020202020204" pitchFamily="34" charset="0"/>
@@ -18436,14 +18436,17 @@
         <p:spPr>
           <a:xfrm>
             <a:off x="439531" y="8258885"/>
-            <a:ext cx="6281539" cy="2479786"/>
+            <a:ext cx="6281539" cy="2922985"/>
           </a:xfrm>
         </p:spPr>
         <p:txBody>
           <a:bodyPr/>
           <a:lstStyle/>
           <a:p>
-            <a:pPr algn="just"/>
+            <a:pPr marL="342900" indent="-342900" algn="just">
+              <a:buFont typeface="Arial" panose="020B0604020202020204" pitchFamily="34" charset="0"/>
+              <a:buChar char="•"/>
+            </a:pPr>
             <a:r>
               <a:rPr lang="en-US" sz="2400" dirty="0">
                 <a:solidFill>
@@ -18452,7 +18455,23 @@
                 <a:latin typeface="Cambria" panose="02040503050406030204" pitchFamily="18" charset="0"/>
                 <a:ea typeface="Cambria" panose="02040503050406030204" pitchFamily="18" charset="0"/>
               </a:rPr>
-              <a:t>The objective is to take a hand-drawn image of an object and accurately identify it. Some examples of the compressed image inputs and their respective outputs are shown below.</a:t>
+              <a:t>Take a hand-drawn image of an object and accurately identify it. </a:t>
+            </a:r>
+          </a:p>
+          <a:p>
+            <a:pPr marL="342900" indent="-342900" algn="just">
+              <a:buFont typeface="Arial" panose="020B0604020202020204" pitchFamily="34" charset="0"/>
+              <a:buChar char="•"/>
+            </a:pPr>
+            <a:r>
+              <a:rPr lang="en-US" sz="2400" dirty="0">
+                <a:solidFill>
+                  <a:schemeClr val="tx1"/>
+                </a:solidFill>
+                <a:latin typeface="Cambria" panose="02040503050406030204" pitchFamily="18" charset="0"/>
+                <a:ea typeface="Cambria" panose="02040503050406030204" pitchFamily="18" charset="0"/>
+              </a:rPr>
+              <a:t>Examples of the compressed image inputs and their respective outputs are shown below.</a:t>
             </a:r>
           </a:p>
           <a:p>
@@ -18727,7 +18746,7 @@
         <p:spPr>
           <a:xfrm>
             <a:off x="7303239" y="10799633"/>
-            <a:ext cx="12794229" cy="6905746"/>
+            <a:ext cx="12794229" cy="7354967"/>
           </a:xfrm>
         </p:spPr>
         <p:txBody>
@@ -19019,7 +19038,7 @@
         <p:spPr>
           <a:xfrm>
             <a:off x="20665147" y="11600318"/>
-            <a:ext cx="6282531" cy="4413556"/>
+            <a:ext cx="6282531" cy="2922985"/>
           </a:xfrm>
         </p:spPr>
         <p:txBody>
@@ -19038,7 +19057,7 @@
                 <a:latin typeface="Cambria" panose="02040503050406030204" pitchFamily="18" charset="0"/>
                 <a:ea typeface="Cambria" panose="02040503050406030204" pitchFamily="18" charset="0"/>
               </a:rPr>
-              <a:t>Deep learning methods performed much better then traditional methods because they can learn more about the image with the use of hidden layers.</a:t>
+              <a:t>Deep learning methods performed better than traditional methods in most cases because they can learn more about the drawings, with the use of hidden layers.</a:t>
             </a:r>
           </a:p>
           <a:p>
@@ -19839,7 +19858,7 @@
           </p:cNvPicPr>
           <p:nvPr/>
         </p:nvPicPr>
-        <p:blipFill>
+        <p:blipFill rotWithShape="1">
           <a:blip r:embed="rId4">
             <a:clrChange>
               <a:clrFrom>
@@ -19853,19 +19872,27 @@
             </a:clrChange>
             <a:alphaModFix/>
             <a:extLst>
+              <a:ext uri="{BEBA8EAE-BF5A-486C-A8C5-ECC9F3942E4B}">
+                <a14:imgProps xmlns:a14="http://schemas.microsoft.com/office/drawing/2010/main">
+                  <a14:imgLayer r:embed="rId5">
+                    <a14:imgEffect>
+                      <a14:saturation sat="0"/>
+                    </a14:imgEffect>
+                  </a14:imgLayer>
+                </a14:imgProps>
+              </a:ext>
               <a:ext uri="{28A0092B-C50C-407E-A947-70E740481C1C}">
                 <a14:useLocalDpi xmlns:a14="http://schemas.microsoft.com/office/drawing/2010/main" val="0"/>
               </a:ext>
             </a:extLst>
           </a:blip>
-          <a:stretch>
-            <a:fillRect/>
-          </a:stretch>
+          <a:srcRect b="7495"/>
+          <a:stretch/>
         </p:blipFill>
         <p:spPr>
           <a:xfrm>
-            <a:off x="878493" y="10074848"/>
-            <a:ext cx="5439534" cy="1705213"/>
+            <a:off x="878493" y="10294208"/>
+            <a:ext cx="5439534" cy="1577406"/>
           </a:xfrm>
           <a:prstGeom prst="rect">
             <a:avLst/>
@@ -19889,7 +19916,7 @@
         <p:spPr>
           <a:xfrm>
             <a:off x="457491" y="12273396"/>
-            <a:ext cx="6281539" cy="6246972"/>
+            <a:ext cx="6281539" cy="6025372"/>
           </a:xfrm>
           <a:prstGeom prst="rect">
             <a:avLst/>
@@ -20039,7 +20066,10 @@
             </a:lvl9pPr>
           </a:lstStyle>
           <a:p>
-            <a:pPr algn="just"/>
+            <a:pPr marL="342900" indent="-342900" algn="just">
+              <a:buFont typeface="Arial" panose="020B0604020202020204" pitchFamily="34" charset="0"/>
+              <a:buChar char="•"/>
+            </a:pPr>
             <a:r>
               <a:rPr lang="en-US" sz="2400" dirty="0">
                 <a:solidFill>
@@ -20048,7 +20078,7 @@
                 <a:latin typeface="Cambria" panose="02040503050406030204" pitchFamily="18" charset="0"/>
                 <a:ea typeface="Cambria" panose="02040503050406030204" pitchFamily="18" charset="0"/>
               </a:rPr>
-              <a:t>For this project, we used the Google QuickDraw dataset</a:t>
+              <a:t>Used the Google QuickDraw dataset</a:t>
             </a:r>
             <a:r>
               <a:rPr lang="en-US" sz="2400" baseline="30000" dirty="0">
@@ -20068,7 +20098,39 @@
                 <a:latin typeface="Cambria" panose="02040503050406030204" pitchFamily="18" charset="0"/>
                 <a:ea typeface="Cambria" panose="02040503050406030204" pitchFamily="18" charset="0"/>
               </a:rPr>
-              <a:t>. The dataset contains images of many simplified drawings, centered and formatted to a 28 x 28 grayscale bitmap.  Although the data was available for over 300 different objects, only a small subset containing 22 objects was chosen for this project; namely: </a:t>
+              <a:t>. </a:t>
+            </a:r>
+          </a:p>
+          <a:p>
+            <a:pPr marL="342900" indent="-342900" algn="just">
+              <a:buFont typeface="Arial" panose="020B0604020202020204" pitchFamily="34" charset="0"/>
+              <a:buChar char="•"/>
+            </a:pPr>
+            <a:r>
+              <a:rPr lang="en-US" sz="2400" dirty="0">
+                <a:solidFill>
+                  <a:schemeClr val="tx1"/>
+                </a:solidFill>
+                <a:latin typeface="Cambria" panose="02040503050406030204" pitchFamily="18" charset="0"/>
+                <a:ea typeface="Cambria" panose="02040503050406030204" pitchFamily="18" charset="0"/>
+              </a:rPr>
+              <a:t>Images of simplified drawings, centered and formatted to a 28 x 28 grayscale bitmap.  </a:t>
+            </a:r>
+          </a:p>
+          <a:p>
+            <a:pPr marL="342900" indent="-342900" algn="just">
+              <a:buFont typeface="Arial" panose="020B0604020202020204" pitchFamily="34" charset="0"/>
+              <a:buChar char="•"/>
+            </a:pPr>
+            <a:r>
+              <a:rPr lang="en-US" sz="2400" dirty="0">
+                <a:solidFill>
+                  <a:schemeClr val="tx1"/>
+                </a:solidFill>
+                <a:latin typeface="Cambria" panose="02040503050406030204" pitchFamily="18" charset="0"/>
+                <a:ea typeface="Cambria" panose="02040503050406030204" pitchFamily="18" charset="0"/>
+              </a:rPr>
+              <a:t>A small subset containing 22 objects was chosen for this project; namely: </a:t>
             </a:r>
             <a:r>
               <a:rPr lang="en-US" sz="2400" dirty="0">
@@ -20082,7 +20144,10 @@
             </a:r>
           </a:p>
           <a:p>
-            <a:pPr algn="just"/>
+            <a:pPr marL="342900" indent="-342900" algn="just">
+              <a:buFont typeface="Arial" panose="020B0604020202020204" pitchFamily="34" charset="0"/>
+              <a:buChar char="•"/>
+            </a:pPr>
             <a:r>
               <a:rPr lang="en-US" sz="2400" dirty="0">
                 <a:solidFill>
@@ -20091,7 +20156,7 @@
                 <a:latin typeface="Cambria" panose="02040503050406030204" pitchFamily="18" charset="0"/>
                 <a:ea typeface="Cambria" panose="02040503050406030204" pitchFamily="18" charset="0"/>
               </a:rPr>
-              <a:t>The data was then split in a 60:20:20 ratio into the training, development and test sets.</a:t>
+              <a:t>Data was then split in a 60:20:20 ratio into the training, development and test sets.</a:t>
             </a:r>
           </a:p>
           <a:p>
@@ -20127,7 +20192,7 @@
           <p:nvPr/>
         </p:nvPicPr>
         <p:blipFill>
-          <a:blip r:embed="rId5"/>
+          <a:blip r:embed="rId6"/>
           <a:stretch>
             <a:fillRect/>
           </a:stretch>
@@ -20192,7 +20257,7 @@
           <a:lstStyle/>
           <a:p>
             <a:pPr algn="ctr"/>
-            <a:endParaRPr lang="en-US"/>
+            <a:endParaRPr lang="en-US" dirty="0"/>
           </a:p>
         </p:txBody>
       </p:sp>
@@ -20424,7 +20489,7 @@
                 <a:latin typeface="Cambria" panose="02040503050406030204" pitchFamily="18" charset="0"/>
                 <a:ea typeface="Cambria" panose="02040503050406030204" pitchFamily="18" charset="0"/>
               </a:rPr>
-              <a:t> activation and output layer with SoftMax activation.</a:t>
+              <a:t> activation and output layer with SoftMax activation</a:t>
             </a:r>
           </a:p>
           <a:p>
@@ -20457,7 +20522,7 @@
                 <a:latin typeface="Cambria" panose="02040503050406030204" pitchFamily="18" charset="0"/>
                 <a:ea typeface="Cambria" panose="02040503050406030204" pitchFamily="18" charset="0"/>
               </a:rPr>
-              <a:t>Convolutional Neural Network</a:t>
+              <a:t>Convolutional Neural Network (CNN)</a:t>
             </a:r>
           </a:p>
           <a:p>
@@ -20489,7 +20554,7 @@
                 <a:latin typeface="Cambria" panose="02040503050406030204" pitchFamily="18" charset="0"/>
                 <a:ea typeface="Cambria" panose="02040503050406030204" pitchFamily="18" charset="0"/>
               </a:rPr>
-              <a:t>Our model: 3 convolutional layers with 2 x 2 max pooling and output layer with SoftMax activation.</a:t>
+              <a:t>2 different models: 3 convolutional layers with one dense layer and 2 convolutional layers with 3 dense layers</a:t>
             </a:r>
             <a:endParaRPr lang="en-US" sz="2400" b="1" dirty="0">
               <a:solidFill>
@@ -20529,7 +20594,7 @@
           <p:nvPr/>
         </p:nvPicPr>
         <p:blipFill>
-          <a:blip r:embed="rId6">
+          <a:blip r:embed="rId7">
             <a:extLst>
               <a:ext uri="{28A0092B-C50C-407E-A947-70E740481C1C}">
                 <a14:useLocalDpi xmlns:a14="http://schemas.microsoft.com/office/drawing/2010/main" val="0"/>
@@ -20576,7 +20641,7 @@
           <p:nvPr/>
         </p:nvPicPr>
         <p:blipFill>
-          <a:blip r:embed="rId7">
+          <a:blip r:embed="rId8">
             <a:extLst>
               <a:ext uri="{28A0092B-C50C-407E-A947-70E740481C1C}">
                 <a14:useLocalDpi xmlns:a14="http://schemas.microsoft.com/office/drawing/2010/main" val="0"/>
@@ -20623,7 +20688,7 @@
           <p:nvPr>
             <p:extLst>
               <p:ext uri="{D42A27DB-BD31-4B8C-83A1-F6EECF244321}">
-                <p14:modId xmlns:p14="http://schemas.microsoft.com/office/powerpoint/2010/main" val="1293063017"/>
+                <p14:modId xmlns:p14="http://schemas.microsoft.com/office/powerpoint/2010/main" val="1005112768"/>
               </p:ext>
             </p:extLst>
           </p:nvPr>
@@ -20689,13 +20754,12 @@
                     <a:lstStyle/>
                     <a:p>
                       <a:r>
-                        <a:rPr lang="en-US" sz="2000" dirty="0"/>
+                        <a:rPr lang="en-US" sz="2000" dirty="0">
+                          <a:latin typeface="Cambria" panose="02040503050406030204" pitchFamily="18" charset="0"/>
+                          <a:ea typeface="Cambria" panose="02040503050406030204" pitchFamily="18" charset="0"/>
+                        </a:rPr>
                         <a:t>Method</a:t>
                       </a:r>
-                      <a:endParaRPr lang="en-US" sz="2000" dirty="0">
-                        <a:latin typeface="Trebuchet MS" panose="020B0603020202020204" pitchFamily="34" charset="0"/>
-                        <a:ea typeface="Cambria" panose="02040503050406030204" pitchFamily="18" charset="0"/>
-                      </a:endParaRPr>
                     </a:p>
                   </a:txBody>
                   <a:tcPr/>
@@ -20706,13 +20770,12 @@
                     <a:lstStyle/>
                     <a:p>
                       <a:r>
-                        <a:rPr lang="en-US" sz="2000" dirty="0"/>
+                        <a:rPr lang="en-US" sz="2000" dirty="0">
+                          <a:latin typeface="Cambria" panose="02040503050406030204" pitchFamily="18" charset="0"/>
+                          <a:ea typeface="Cambria" panose="02040503050406030204" pitchFamily="18" charset="0"/>
+                        </a:rPr>
                         <a:t>Train Loss</a:t>
                       </a:r>
-                      <a:endParaRPr lang="en-US" sz="2000" dirty="0">
-                        <a:latin typeface="Trebuchet MS" panose="020B0603020202020204" pitchFamily="34" charset="0"/>
-                        <a:ea typeface="Cambria" panose="02040503050406030204" pitchFamily="18" charset="0"/>
-                      </a:endParaRPr>
                     </a:p>
                   </a:txBody>
                   <a:tcPr/>
@@ -20723,13 +20786,12 @@
                     <a:lstStyle/>
                     <a:p>
                       <a:r>
-                        <a:rPr lang="en-US" sz="2000" dirty="0"/>
+                        <a:rPr lang="en-US" sz="2000" dirty="0">
+                          <a:latin typeface="Cambria" panose="02040503050406030204" pitchFamily="18" charset="0"/>
+                          <a:ea typeface="Cambria" panose="02040503050406030204" pitchFamily="18" charset="0"/>
+                        </a:rPr>
                         <a:t>Test Loss</a:t>
                       </a:r>
-                      <a:endParaRPr lang="en-US" sz="2000" dirty="0">
-                        <a:latin typeface="Trebuchet MS" panose="020B0603020202020204" pitchFamily="34" charset="0"/>
-                        <a:ea typeface="Cambria" panose="02040503050406030204" pitchFamily="18" charset="0"/>
-                      </a:endParaRPr>
                     </a:p>
                   </a:txBody>
                   <a:tcPr/>
@@ -20740,13 +20802,12 @@
                     <a:lstStyle/>
                     <a:p>
                       <a:r>
-                        <a:rPr lang="en-US" sz="2000" dirty="0"/>
+                        <a:rPr lang="en-US" sz="2000" dirty="0">
+                          <a:latin typeface="Cambria" panose="02040503050406030204" pitchFamily="18" charset="0"/>
+                          <a:ea typeface="Cambria" panose="02040503050406030204" pitchFamily="18" charset="0"/>
+                        </a:rPr>
                         <a:t>Accuracy</a:t>
                       </a:r>
-                      <a:endParaRPr lang="en-US" sz="2000" dirty="0">
-                        <a:latin typeface="Trebuchet MS" panose="020B0603020202020204" pitchFamily="34" charset="0"/>
-                        <a:ea typeface="Cambria" panose="02040503050406030204" pitchFamily="18" charset="0"/>
-                      </a:endParaRPr>
                     </a:p>
                   </a:txBody>
                   <a:tcPr/>
@@ -20757,13 +20818,12 @@
                     <a:lstStyle/>
                     <a:p>
                       <a:r>
-                        <a:rPr lang="en-US" sz="2000" dirty="0"/>
+                        <a:rPr lang="en-US" sz="2000" dirty="0">
+                          <a:latin typeface="Cambria" panose="02040503050406030204" pitchFamily="18" charset="0"/>
+                          <a:ea typeface="Cambria" panose="02040503050406030204" pitchFamily="18" charset="0"/>
+                        </a:rPr>
                         <a:t>Precision</a:t>
                       </a:r>
-                      <a:endParaRPr lang="en-US" sz="2000" dirty="0">
-                        <a:latin typeface="Trebuchet MS" panose="020B0603020202020204" pitchFamily="34" charset="0"/>
-                        <a:ea typeface="Cambria" panose="02040503050406030204" pitchFamily="18" charset="0"/>
-                      </a:endParaRPr>
                     </a:p>
                   </a:txBody>
                   <a:tcPr/>
@@ -20774,13 +20834,12 @@
                     <a:lstStyle/>
                     <a:p>
                       <a:r>
-                        <a:rPr lang="en-US" sz="2000" dirty="0"/>
+                        <a:rPr lang="en-US" sz="2000" dirty="0">
+                          <a:latin typeface="Cambria" panose="02040503050406030204" pitchFamily="18" charset="0"/>
+                          <a:ea typeface="Cambria" panose="02040503050406030204" pitchFamily="18" charset="0"/>
+                        </a:rPr>
                         <a:t>Recall</a:t>
                       </a:r>
-                      <a:endParaRPr lang="en-US" sz="2000" dirty="0">
-                        <a:latin typeface="Trebuchet MS" panose="020B0603020202020204" pitchFamily="34" charset="0"/>
-                        <a:ea typeface="Cambria" panose="02040503050406030204" pitchFamily="18" charset="0"/>
-                      </a:endParaRPr>
                     </a:p>
                   </a:txBody>
                   <a:tcPr/>
@@ -20798,13 +20857,12 @@
                     <a:lstStyle/>
                     <a:p>
                       <a:r>
-                        <a:rPr lang="en-US" sz="2000" dirty="0"/>
+                        <a:rPr lang="en-US" sz="2000" dirty="0">
+                          <a:latin typeface="Cambria" panose="02040503050406030204" pitchFamily="18" charset="0"/>
+                          <a:ea typeface="Cambria" panose="02040503050406030204" pitchFamily="18" charset="0"/>
+                        </a:rPr>
                         <a:t>Logistic Reg</a:t>
                       </a:r>
-                      <a:endParaRPr lang="en-US" sz="2000" dirty="0">
-                        <a:latin typeface="Trebuchet MS" panose="020B0603020202020204" pitchFamily="34" charset="0"/>
-                        <a:ea typeface="Cambria" panose="02040503050406030204" pitchFamily="18" charset="0"/>
-                      </a:endParaRPr>
                     </a:p>
                   </a:txBody>
                   <a:tcPr anchor="ctr"/>
@@ -20815,12 +20873,12 @@
                     <a:lstStyle/>
                     <a:p>
                       <a:r>
-                        <a:rPr lang="en-US" sz="2000" dirty="0"/>
+                        <a:rPr lang="en-US" sz="2000" dirty="0">
+                          <a:latin typeface="Cambria" panose="02040503050406030204" pitchFamily="18" charset="0"/>
+                          <a:ea typeface="Cambria" panose="02040503050406030204" pitchFamily="18" charset="0"/>
+                        </a:rPr>
                         <a:t>9.9290</a:t>
                       </a:r>
-                      <a:endParaRPr lang="en-US" sz="2000" dirty="0">
-                        <a:latin typeface="Trebuchet MS" panose="020B0603020202020204" pitchFamily="34" charset="0"/>
-                      </a:endParaRPr>
                     </a:p>
                   </a:txBody>
                   <a:tcPr anchor="ctr"/>
@@ -20831,12 +20889,12 @@
                     <a:lstStyle/>
                     <a:p>
                       <a:r>
-                        <a:rPr lang="en-US" sz="2000" dirty="0"/>
+                        <a:rPr lang="en-US" sz="2000" dirty="0">
+                          <a:latin typeface="Cambria" panose="02040503050406030204" pitchFamily="18" charset="0"/>
+                          <a:ea typeface="Cambria" panose="02040503050406030204" pitchFamily="18" charset="0"/>
+                        </a:rPr>
                         <a:t>10.2584</a:t>
                       </a:r>
-                      <a:endParaRPr lang="en-US" sz="2000" dirty="0">
-                        <a:latin typeface="Trebuchet MS" panose="020B0603020202020204" pitchFamily="34" charset="0"/>
-                      </a:endParaRPr>
                     </a:p>
                   </a:txBody>
                   <a:tcPr anchor="ctr"/>
@@ -20847,12 +20905,12 @@
                     <a:lstStyle/>
                     <a:p>
                       <a:r>
-                        <a:rPr lang="en-US" sz="2000" dirty="0"/>
+                        <a:rPr lang="en-US" sz="2000" dirty="0">
+                          <a:latin typeface="Cambria" panose="02040503050406030204" pitchFamily="18" charset="0"/>
+                          <a:ea typeface="Cambria" panose="02040503050406030204" pitchFamily="18" charset="0"/>
+                        </a:rPr>
                         <a:t>0.7030</a:t>
                       </a:r>
-                      <a:endParaRPr lang="en-US" sz="2000" dirty="0">
-                        <a:latin typeface="Trebuchet MS" panose="020B0603020202020204" pitchFamily="34" charset="0"/>
-                      </a:endParaRPr>
                     </a:p>
                   </a:txBody>
                   <a:tcPr anchor="ctr"/>
@@ -20863,12 +20921,12 @@
                     <a:lstStyle/>
                     <a:p>
                       <a:r>
-                        <a:rPr lang="en-US" sz="2000" dirty="0"/>
+                        <a:rPr lang="en-US" sz="2000" dirty="0">
+                          <a:latin typeface="Cambria" panose="02040503050406030204" pitchFamily="18" charset="0"/>
+                          <a:ea typeface="Cambria" panose="02040503050406030204" pitchFamily="18" charset="0"/>
+                        </a:rPr>
                         <a:t>0.70</a:t>
                       </a:r>
-                      <a:endParaRPr lang="en-US" sz="2000" dirty="0">
-                        <a:latin typeface="Trebuchet MS" panose="020B0603020202020204" pitchFamily="34" charset="0"/>
-                      </a:endParaRPr>
                     </a:p>
                   </a:txBody>
                   <a:tcPr anchor="ctr"/>
@@ -20879,12 +20937,12 @@
                     <a:lstStyle/>
                     <a:p>
                       <a:r>
-                        <a:rPr lang="en-US" sz="2000" dirty="0"/>
+                        <a:rPr lang="en-US" sz="2000" dirty="0">
+                          <a:latin typeface="Cambria" panose="02040503050406030204" pitchFamily="18" charset="0"/>
+                          <a:ea typeface="Cambria" panose="02040503050406030204" pitchFamily="18" charset="0"/>
+                        </a:rPr>
                         <a:t>0.70</a:t>
                       </a:r>
-                      <a:endParaRPr lang="en-US" sz="2000" dirty="0">
-                        <a:latin typeface="Trebuchet MS" panose="020B0603020202020204" pitchFamily="34" charset="0"/>
-                      </a:endParaRPr>
                     </a:p>
                   </a:txBody>
                   <a:tcPr anchor="ctr"/>
@@ -20902,13 +20960,12 @@
                     <a:lstStyle/>
                     <a:p>
                       <a:r>
-                        <a:rPr lang="en-US" sz="2000" dirty="0"/>
+                        <a:rPr lang="en-US" sz="2000" dirty="0">
+                          <a:latin typeface="Cambria" panose="02040503050406030204" pitchFamily="18" charset="0"/>
+                          <a:ea typeface="Cambria" panose="02040503050406030204" pitchFamily="18" charset="0"/>
+                        </a:rPr>
                         <a:t>Naïve Bayes</a:t>
                       </a:r>
-                      <a:endParaRPr lang="en-US" sz="2000" dirty="0">
-                        <a:latin typeface="Trebuchet MS" panose="020B0603020202020204" pitchFamily="34" charset="0"/>
-                        <a:ea typeface="Cambria" panose="02040503050406030204" pitchFamily="18" charset="0"/>
-                      </a:endParaRPr>
                     </a:p>
                   </a:txBody>
                   <a:tcPr anchor="ctr"/>
@@ -20919,12 +20976,12 @@
                     <a:lstStyle/>
                     <a:p>
                       <a:r>
-                        <a:rPr lang="en-US" sz="2000" dirty="0"/>
+                        <a:rPr lang="en-US" sz="2000" dirty="0">
+                          <a:latin typeface="Cambria" panose="02040503050406030204" pitchFamily="18" charset="0"/>
+                          <a:ea typeface="Cambria" panose="02040503050406030204" pitchFamily="18" charset="0"/>
+                        </a:rPr>
                         <a:t>15.6298</a:t>
                       </a:r>
-                      <a:endParaRPr lang="en-US" sz="2000" dirty="0">
-                        <a:latin typeface="Trebuchet MS" panose="020B0603020202020204" pitchFamily="34" charset="0"/>
-                      </a:endParaRPr>
                     </a:p>
                   </a:txBody>
                   <a:tcPr anchor="ctr"/>
@@ -20935,12 +20992,12 @@
                     <a:lstStyle/>
                     <a:p>
                       <a:r>
-                        <a:rPr lang="en-US" sz="2000" dirty="0"/>
+                        <a:rPr lang="en-US" sz="2000" dirty="0">
+                          <a:latin typeface="Cambria" panose="02040503050406030204" pitchFamily="18" charset="0"/>
+                          <a:ea typeface="Cambria" panose="02040503050406030204" pitchFamily="18" charset="0"/>
+                        </a:rPr>
                         <a:t>15.5872</a:t>
                       </a:r>
-                      <a:endParaRPr lang="en-US" sz="2000" dirty="0">
-                        <a:latin typeface="Trebuchet MS" panose="020B0603020202020204" pitchFamily="34" charset="0"/>
-                      </a:endParaRPr>
                     </a:p>
                   </a:txBody>
                   <a:tcPr anchor="ctr"/>
@@ -20951,12 +21008,12 @@
                     <a:lstStyle/>
                     <a:p>
                       <a:r>
-                        <a:rPr lang="en-US" sz="2000" dirty="0"/>
+                        <a:rPr lang="en-US" sz="2000" dirty="0">
+                          <a:latin typeface="Cambria" panose="02040503050406030204" pitchFamily="18" charset="0"/>
+                          <a:ea typeface="Cambria" panose="02040503050406030204" pitchFamily="18" charset="0"/>
+                        </a:rPr>
                         <a:t>0.5487</a:t>
                       </a:r>
-                      <a:endParaRPr lang="en-US" sz="2000" dirty="0">
-                        <a:latin typeface="Trebuchet MS" panose="020B0603020202020204" pitchFamily="34" charset="0"/>
-                      </a:endParaRPr>
                     </a:p>
                   </a:txBody>
                   <a:tcPr anchor="ctr"/>
@@ -20967,12 +21024,12 @@
                     <a:lstStyle/>
                     <a:p>
                       <a:r>
-                        <a:rPr lang="en-US" sz="2000" dirty="0"/>
+                        <a:rPr lang="en-US" sz="2000" dirty="0">
+                          <a:latin typeface="Cambria" panose="02040503050406030204" pitchFamily="18" charset="0"/>
+                          <a:ea typeface="Cambria" panose="02040503050406030204" pitchFamily="18" charset="0"/>
+                        </a:rPr>
                         <a:t>0.56</a:t>
                       </a:r>
-                      <a:endParaRPr lang="en-US" sz="2000" dirty="0">
-                        <a:latin typeface="Trebuchet MS" panose="020B0603020202020204" pitchFamily="34" charset="0"/>
-                      </a:endParaRPr>
                     </a:p>
                   </a:txBody>
                   <a:tcPr anchor="ctr"/>
@@ -20983,12 +21040,12 @@
                     <a:lstStyle/>
                     <a:p>
                       <a:r>
-                        <a:rPr lang="en-US" sz="2000" dirty="0"/>
+                        <a:rPr lang="en-US" sz="2000" dirty="0">
+                          <a:latin typeface="Cambria" panose="02040503050406030204" pitchFamily="18" charset="0"/>
+                          <a:ea typeface="Cambria" panose="02040503050406030204" pitchFamily="18" charset="0"/>
+                        </a:rPr>
                         <a:t>0.55</a:t>
                       </a:r>
-                      <a:endParaRPr lang="en-US" sz="2000" dirty="0">
-                        <a:latin typeface="Trebuchet MS" panose="020B0603020202020204" pitchFamily="34" charset="0"/>
-                      </a:endParaRPr>
                     </a:p>
                   </a:txBody>
                   <a:tcPr anchor="ctr"/>
@@ -21006,11 +21063,23 @@
                     <a:lstStyle/>
                     <a:p>
                       <a:r>
-                        <a:rPr lang="en-US" sz="2000" dirty="0"/>
+                        <a:rPr lang="en-US" sz="2000" dirty="0">
+                          <a:latin typeface="Cambria" panose="02040503050406030204" pitchFamily="18" charset="0"/>
+                          <a:ea typeface="Cambria" panose="02040503050406030204" pitchFamily="18" charset="0"/>
+                        </a:rPr>
                         <a:t>MLP</a:t>
                       </a:r>
+                    </a:p>
+                  </a:txBody>
+                  <a:tcPr anchor="ctr"/>
+                </a:tc>
+                <a:tc>
+                  <a:txBody>
+                    <a:bodyPr/>
+                    <a:lstStyle/>
+                    <a:p>
                       <a:endParaRPr lang="en-US" sz="2000" dirty="0">
-                        <a:latin typeface="Trebuchet MS" panose="020B0603020202020204" pitchFamily="34" charset="0"/>
+                        <a:latin typeface="Cambria" panose="02040503050406030204" pitchFamily="18" charset="0"/>
                         <a:ea typeface="Cambria" panose="02040503050406030204" pitchFamily="18" charset="0"/>
                       </a:endParaRPr>
                     </a:p>
@@ -21023,7 +21092,8 @@
                     <a:lstStyle/>
                     <a:p>
                       <a:endParaRPr lang="en-US" sz="2000" dirty="0">
-                        <a:latin typeface="Trebuchet MS" panose="020B0603020202020204" pitchFamily="34" charset="0"/>
+                        <a:latin typeface="Cambria" panose="02040503050406030204" pitchFamily="18" charset="0"/>
+                        <a:ea typeface="Cambria" panose="02040503050406030204" pitchFamily="18" charset="0"/>
                       </a:endParaRPr>
                     </a:p>
                   </a:txBody>
@@ -21035,7 +21105,8 @@
                     <a:lstStyle/>
                     <a:p>
                       <a:endParaRPr lang="en-US" sz="2000" dirty="0">
-                        <a:latin typeface="Trebuchet MS" panose="020B0603020202020204" pitchFamily="34" charset="0"/>
+                        <a:latin typeface="Cambria" panose="02040503050406030204" pitchFamily="18" charset="0"/>
+                        <a:ea typeface="Cambria" panose="02040503050406030204" pitchFamily="18" charset="0"/>
                       </a:endParaRPr>
                     </a:p>
                   </a:txBody>
@@ -21047,7 +21118,8 @@
                     <a:lstStyle/>
                     <a:p>
                       <a:endParaRPr lang="en-US" sz="2000" dirty="0">
-                        <a:latin typeface="Trebuchet MS" panose="020B0603020202020204" pitchFamily="34" charset="0"/>
+                        <a:latin typeface="Cambria" panose="02040503050406030204" pitchFamily="18" charset="0"/>
+                        <a:ea typeface="Cambria" panose="02040503050406030204" pitchFamily="18" charset="0"/>
                       </a:endParaRPr>
                     </a:p>
                   </a:txBody>
@@ -21059,19 +21131,8 @@
                     <a:lstStyle/>
                     <a:p>
                       <a:endParaRPr lang="en-US" sz="2000" dirty="0">
-                        <a:latin typeface="Trebuchet MS" panose="020B0603020202020204" pitchFamily="34" charset="0"/>
-                      </a:endParaRPr>
-                    </a:p>
-                  </a:txBody>
-                  <a:tcPr anchor="ctr"/>
-                </a:tc>
-                <a:tc>
-                  <a:txBody>
-                    <a:bodyPr/>
-                    <a:lstStyle/>
-                    <a:p>
-                      <a:endParaRPr lang="en-US" sz="2000" dirty="0">
-                        <a:latin typeface="Trebuchet MS" panose="020B0603020202020204" pitchFamily="34" charset="0"/>
+                        <a:latin typeface="Cambria" panose="02040503050406030204" pitchFamily="18" charset="0"/>
+                        <a:ea typeface="Cambria" panose="02040503050406030204" pitchFamily="18" charset="0"/>
                       </a:endParaRPr>
                     </a:p>
                   </a:txBody>
@@ -21090,11 +21151,23 @@
                     <a:lstStyle/>
                     <a:p>
                       <a:r>
-                        <a:rPr lang="en-US" sz="2000" dirty="0"/>
+                        <a:rPr lang="en-US" sz="2000" dirty="0">
+                          <a:latin typeface="Cambria" panose="02040503050406030204" pitchFamily="18" charset="0"/>
+                          <a:ea typeface="Cambria" panose="02040503050406030204" pitchFamily="18" charset="0"/>
+                        </a:rPr>
                         <a:t>CNN</a:t>
                       </a:r>
+                    </a:p>
+                  </a:txBody>
+                  <a:tcPr anchor="ctr"/>
+                </a:tc>
+                <a:tc>
+                  <a:txBody>
+                    <a:bodyPr/>
+                    <a:lstStyle/>
+                    <a:p>
                       <a:endParaRPr lang="en-US" sz="2000" dirty="0">
-                        <a:latin typeface="Trebuchet MS" panose="020B0603020202020204" pitchFamily="34" charset="0"/>
+                        <a:latin typeface="Cambria" panose="02040503050406030204" pitchFamily="18" charset="0"/>
                         <a:ea typeface="Cambria" panose="02040503050406030204" pitchFamily="18" charset="0"/>
                       </a:endParaRPr>
                     </a:p>
@@ -21107,7 +21180,8 @@
                     <a:lstStyle/>
                     <a:p>
                       <a:endParaRPr lang="en-US" sz="2000" dirty="0">
-                        <a:latin typeface="Trebuchet MS" panose="020B0603020202020204" pitchFamily="34" charset="0"/>
+                        <a:latin typeface="Cambria" panose="02040503050406030204" pitchFamily="18" charset="0"/>
+                        <a:ea typeface="Cambria" panose="02040503050406030204" pitchFamily="18" charset="0"/>
                       </a:endParaRPr>
                     </a:p>
                   </a:txBody>
@@ -21119,7 +21193,8 @@
                     <a:lstStyle/>
                     <a:p>
                       <a:endParaRPr lang="en-US" sz="2000" dirty="0">
-                        <a:latin typeface="Trebuchet MS" panose="020B0603020202020204" pitchFamily="34" charset="0"/>
+                        <a:latin typeface="Cambria" panose="02040503050406030204" pitchFamily="18" charset="0"/>
+                        <a:ea typeface="Cambria" panose="02040503050406030204" pitchFamily="18" charset="0"/>
                       </a:endParaRPr>
                     </a:p>
                   </a:txBody>
@@ -21131,19 +21206,8 @@
                     <a:lstStyle/>
                     <a:p>
                       <a:endParaRPr lang="en-US" sz="2000" dirty="0">
-                        <a:latin typeface="Trebuchet MS" panose="020B0603020202020204" pitchFamily="34" charset="0"/>
-                      </a:endParaRPr>
-                    </a:p>
-                  </a:txBody>
-                  <a:tcPr anchor="ctr"/>
-                </a:tc>
-                <a:tc>
-                  <a:txBody>
-                    <a:bodyPr/>
-                    <a:lstStyle/>
-                    <a:p>
-                      <a:endParaRPr lang="en-US" sz="2000">
-                        <a:latin typeface="Trebuchet MS" panose="020B0603020202020204" pitchFamily="34" charset="0"/>
+                        <a:latin typeface="Cambria" panose="02040503050406030204" pitchFamily="18" charset="0"/>
+                        <a:ea typeface="Cambria" panose="02040503050406030204" pitchFamily="18" charset="0"/>
                       </a:endParaRPr>
                     </a:p>
                   </a:txBody>
@@ -21155,7 +21219,8 @@
                     <a:lstStyle/>
                     <a:p>
                       <a:endParaRPr lang="en-US" sz="2000" dirty="0">
-                        <a:latin typeface="Trebuchet MS" panose="020B0603020202020204" pitchFamily="34" charset="0"/>
+                        <a:latin typeface="Cambria" panose="02040503050406030204" pitchFamily="18" charset="0"/>
+                        <a:ea typeface="Cambria" panose="02040503050406030204" pitchFamily="18" charset="0"/>
                       </a:endParaRPr>
                     </a:p>
                   </a:txBody>

--- a/poster.pptx
+++ b/poster.pptx
@@ -240,7 +240,7 @@
             <a:fld id="{E6CC2317-6751-4CD4-9995-8782DD78E936}" type="datetimeFigureOut">
               <a:rPr lang="en-US" smtClean="0"/>
               <a:pPr/>
-              <a:t>5/31/2019</a:t>
+              <a:t>6/1/2019</a:t>
             </a:fld>
             <a:endParaRPr lang="en-US" dirty="0"/>
           </a:p>
@@ -2720,7 +2720,7 @@
           <a:p>
             <a:fld id="{7220ECE3-515B-1A46-8D83-30082E4C106D}" type="datetimeFigureOut">
               <a:rPr lang="en-US" smtClean="0"/>
-              <a:t>5/31/2019</a:t>
+              <a:t>6/1/2019</a:t>
             </a:fld>
             <a:endParaRPr lang="en-US"/>
           </a:p>
@@ -4899,7 +4899,7 @@
           <a:p>
             <a:fld id="{7220ECE3-515B-1A46-8D83-30082E4C106D}" type="datetimeFigureOut">
               <a:rPr lang="en-US" smtClean="0"/>
-              <a:t>5/31/2019</a:t>
+              <a:t>6/1/2019</a:t>
             </a:fld>
             <a:endParaRPr lang="en-US"/>
           </a:p>
@@ -18367,8 +18367,8 @@
         </p:nvSpPr>
         <p:spPr>
           <a:xfrm>
-            <a:off x="439532" y="3523208"/>
-            <a:ext cx="6286499" cy="4326446"/>
+            <a:off x="429088" y="3582438"/>
+            <a:ext cx="6286499" cy="4400312"/>
           </a:xfrm>
         </p:spPr>
         <p:txBody>
@@ -18384,7 +18384,20 @@
                 <a:latin typeface="Cambria" panose="02040503050406030204" pitchFamily="18" charset="0"/>
                 <a:ea typeface="Cambria" panose="02040503050406030204" pitchFamily="18" charset="0"/>
               </a:rPr>
-              <a:t>Numerous papers have been published, analyzing various algorithms for image classification on photographs. Majority of publications on image classification perform experiments on photographs where the objects in images are easily identifiable by the human eye. Here, we explore a case where the images of objects are not as easily identifiable by humans. We apply different classification techniques to a dataset of sketch drawings to find what model performs best.</a:t>
+              <a:t>Numerous papers have been published, analyzing various algorithms for image classification on photographs. Majority of publications on image classification perform experiments on pictures where the objects in images are easily identifiable. Here, we explore a case where the images of objects are not as easily identifiable by humans. </a:t>
+            </a:r>
+          </a:p>
+          <a:p>
+            <a:pPr algn="just"/>
+            <a:r>
+              <a:rPr lang="en-US" sz="2400" dirty="0">
+                <a:solidFill>
+                  <a:schemeClr val="tx1"/>
+                </a:solidFill>
+                <a:latin typeface="Cambria" panose="02040503050406030204" pitchFamily="18" charset="0"/>
+                <a:ea typeface="Cambria" panose="02040503050406030204" pitchFamily="18" charset="0"/>
+              </a:rPr>
+              <a:t>We apply different classification techniques to a dataset of sketch drawings to find what model performs best.</a:t>
             </a:r>
           </a:p>
         </p:txBody>
@@ -18435,7 +18448,7 @@
         </p:nvSpPr>
         <p:spPr>
           <a:xfrm>
-            <a:off x="439531" y="8258885"/>
+            <a:off x="434571" y="8340657"/>
             <a:ext cx="6281539" cy="2922985"/>
           </a:xfrm>
         </p:spPr>
@@ -18536,7 +18549,7 @@
         </p:nvSpPr>
         <p:spPr>
           <a:xfrm>
-            <a:off x="7303239" y="3523209"/>
+            <a:off x="7317645" y="3582438"/>
             <a:ext cx="12794229" cy="2775252"/>
           </a:xfrm>
         </p:spPr>
@@ -18585,7 +18598,7 @@
                 <a:latin typeface="Cambria" panose="02040503050406030204" pitchFamily="18" charset="0"/>
                 <a:ea typeface="Cambria" panose="02040503050406030204" pitchFamily="18" charset="0"/>
               </a:rPr>
-              <a:t>Uses sigmoid logistic function is replaced by the SoftMax function</a:t>
+              <a:t>Sigmoid logistic function is replaced by the SoftMax function</a:t>
             </a:r>
           </a:p>
           <a:p>
@@ -18745,7 +18758,7 @@
         </p:nvSpPr>
         <p:spPr>
           <a:xfrm>
-            <a:off x="7303239" y="10799633"/>
+            <a:off x="7303239" y="10850916"/>
             <a:ext cx="12794229" cy="7354967"/>
           </a:xfrm>
         </p:spPr>
@@ -18765,7 +18778,7 @@
                 <a:latin typeface="Cambria" panose="02040503050406030204" pitchFamily="18" charset="0"/>
                 <a:ea typeface="Cambria" panose="02040503050406030204" pitchFamily="18" charset="0"/>
               </a:rPr>
-              <a:t>Baseline: Majority classifier. Log loss = 33.003, accuracy 4.447%</a:t>
+              <a:t>Baseline: Majority classifier. Log loss = 33.003, Accuracy 4.447%</a:t>
             </a:r>
           </a:p>
           <a:p>
@@ -18781,7 +18794,7 @@
                 <a:latin typeface="Cambria" panose="02040503050406030204" pitchFamily="18" charset="0"/>
                 <a:ea typeface="Cambria" panose="02040503050406030204" pitchFamily="18" charset="0"/>
               </a:rPr>
-              <a:t>Oracle: Human classifier. Log loss = 1.099, accuracy = 96.818%</a:t>
+              <a:t>Oracle: Human classifier. Log loss = 1.099, Accuracy = 96.818%</a:t>
             </a:r>
           </a:p>
           <a:p>
@@ -18870,7 +18883,7 @@
                 <a:latin typeface="Cambria" panose="02040503050406030204" pitchFamily="18" charset="0"/>
                 <a:ea typeface="Cambria" panose="02040503050406030204" pitchFamily="18" charset="0"/>
               </a:rPr>
-              <a:t>CNN performed the best on the validation set and was then run on the test set, where it achieved log loss = ___ and ___% accuracy! </a:t>
+              <a:t>CNN performed the best on the validation set. On the test set, it achieved log loss = 2.414 and 93.01% accuracy! </a:t>
             </a:r>
           </a:p>
           <a:p>
@@ -18883,7 +18896,7 @@
                 <a:latin typeface="Cambria" panose="02040503050406030204" pitchFamily="18" charset="0"/>
                 <a:ea typeface="Cambria" panose="02040503050406030204" pitchFamily="18" charset="0"/>
               </a:rPr>
-              <a:t>The demo application uses this CNN model to try and accurately classify the doodle input from the user. From our experimentation we see the model achieves a ____ % accuracy on the demo app. This is due to the difference in data format between the training data and user input.</a:t>
+              <a:t>The demo application uses this CNN model to try and accurately classify the doodle input from the user. The performance of the demo app is much lower than the results above. This is due to the difference in data format between the training data and user input.</a:t>
             </a:r>
           </a:p>
           <a:p>
@@ -18971,8 +18984,8 @@
         </p:nvSpPr>
         <p:spPr>
           <a:xfrm>
-            <a:off x="20668292" y="3523207"/>
-            <a:ext cx="6279386" cy="1115079"/>
+            <a:off x="20668545" y="3587770"/>
+            <a:ext cx="6279386" cy="1002459"/>
           </a:xfrm>
         </p:spPr>
         <p:txBody>
@@ -18988,7 +19001,7 @@
                 <a:latin typeface="Cambria" panose="02040503050406030204" pitchFamily="18" charset="0"/>
                 <a:ea typeface="Cambria" panose="02040503050406030204" pitchFamily="18" charset="0"/>
               </a:rPr>
-              <a:t>Below is the confusion matrix for the CNN model’s performance on the test set:</a:t>
+              <a:t>Below is the confusion matrix for the CNN model’s performance on the test set.</a:t>
             </a:r>
           </a:p>
         </p:txBody>
@@ -19005,7 +19018,7 @@
         </p:nvSpPr>
         <p:spPr>
           <a:xfrm>
-            <a:off x="20671690" y="11263642"/>
+            <a:off x="20671690" y="10385818"/>
             <a:ext cx="6279386" cy="597961"/>
           </a:xfrm>
         </p:spPr>
@@ -19037,7 +19050,7 @@
         </p:nvSpPr>
         <p:spPr>
           <a:xfrm>
-            <a:off x="20665147" y="11600318"/>
+            <a:off x="20668545" y="10834987"/>
             <a:ext cx="6282531" cy="2922985"/>
           </a:xfrm>
         </p:spPr>
@@ -19090,7 +19103,7 @@
         </p:nvSpPr>
         <p:spPr>
           <a:xfrm>
-            <a:off x="20671690" y="14365168"/>
+            <a:off x="20671690" y="14528399"/>
             <a:ext cx="6279386" cy="474850"/>
           </a:xfrm>
         </p:spPr>
@@ -19122,8 +19135,8 @@
         </p:nvSpPr>
         <p:spPr>
           <a:xfrm>
-            <a:off x="20668545" y="14741646"/>
-            <a:ext cx="6282531" cy="3489294"/>
+            <a:off x="20671690" y="14890936"/>
+            <a:ext cx="6282531" cy="3310783"/>
           </a:xfrm>
         </p:spPr>
         <p:txBody>
@@ -19131,7 +19144,7 @@
           <a:lstStyle/>
           <a:p>
             <a:r>
-              <a:rPr lang="en-US" sz="1600" dirty="0">
+              <a:rPr lang="en-US" sz="1500" dirty="0">
                 <a:solidFill>
                   <a:schemeClr val="tx1"/>
                 </a:solidFill>
@@ -19141,7 +19154,7 @@
               <a:t>[1] </a:t>
             </a:r>
             <a:r>
-              <a:rPr lang="en-US" sz="1600" dirty="0" err="1">
+              <a:rPr lang="en-US" sz="1500" dirty="0" err="1">
                 <a:solidFill>
                   <a:schemeClr val="tx1"/>
                 </a:solidFill>
@@ -19151,7 +19164,7 @@
               <a:t>Jongejan</a:t>
             </a:r>
             <a:r>
-              <a:rPr lang="en-US" sz="1600" dirty="0">
+              <a:rPr lang="en-US" sz="1500" dirty="0">
                 <a:solidFill>
                   <a:schemeClr val="tx1"/>
                 </a:solidFill>
@@ -19161,7 +19174,7 @@
               <a:t>, J., Rowley, H., Kawashima, T., Kim, J. &amp; Fox-</a:t>
             </a:r>
             <a:r>
-              <a:rPr lang="en-US" sz="1600" dirty="0" err="1">
+              <a:rPr lang="en-US" sz="1500" dirty="0" err="1">
                 <a:solidFill>
                   <a:schemeClr val="tx1"/>
                 </a:solidFill>
@@ -19171,7 +19184,7 @@
               <a:t>Gieg</a:t>
             </a:r>
             <a:r>
-              <a:rPr lang="en-US" sz="1600" dirty="0">
+              <a:rPr lang="en-US" sz="1500" dirty="0">
                 <a:solidFill>
                   <a:schemeClr val="tx1"/>
                 </a:solidFill>
@@ -19183,7 +19196,7 @@
           </a:p>
           <a:p>
             <a:r>
-              <a:rPr lang="en-US" sz="1600" dirty="0">
+              <a:rPr lang="en-US" sz="1500" dirty="0">
                 <a:solidFill>
                   <a:schemeClr val="tx1"/>
                 </a:solidFill>
@@ -19193,7 +19206,7 @@
               <a:t>[2] </a:t>
             </a:r>
             <a:r>
-              <a:rPr lang="en-US" sz="1600" dirty="0" err="1">
+              <a:rPr lang="en-US" sz="1500" dirty="0" err="1">
                 <a:solidFill>
                   <a:schemeClr val="tx1"/>
                 </a:solidFill>
@@ -19203,7 +19216,7 @@
               <a:t>Pedregosa</a:t>
             </a:r>
             <a:r>
-              <a:rPr lang="en-US" sz="1600" dirty="0">
+              <a:rPr lang="en-US" sz="1500" dirty="0">
                 <a:solidFill>
                   <a:schemeClr val="tx1"/>
                 </a:solidFill>
@@ -19213,7 +19226,7 @@
               <a:t>, F., </a:t>
             </a:r>
             <a:r>
-              <a:rPr lang="en-US" sz="1600" dirty="0" err="1">
+              <a:rPr lang="en-US" sz="1500" dirty="0" err="1">
                 <a:solidFill>
                   <a:schemeClr val="tx1"/>
                 </a:solidFill>
@@ -19223,7 +19236,7 @@
               <a:t>Varoquaux</a:t>
             </a:r>
             <a:r>
-              <a:rPr lang="en-US" sz="1600" dirty="0">
+              <a:rPr lang="en-US" sz="1500" dirty="0">
                 <a:solidFill>
                   <a:schemeClr val="tx1"/>
                 </a:solidFill>
@@ -19233,7 +19246,7 @@
               <a:t>, G., </a:t>
             </a:r>
             <a:r>
-              <a:rPr lang="en-US" sz="1600" dirty="0" err="1">
+              <a:rPr lang="en-US" sz="1500" dirty="0" err="1">
                 <a:solidFill>
                   <a:schemeClr val="tx1"/>
                 </a:solidFill>
@@ -19243,7 +19256,7 @@
               <a:t>Gramfort</a:t>
             </a:r>
             <a:r>
-              <a:rPr lang="en-US" sz="1600" dirty="0">
+              <a:rPr lang="en-US" sz="1500" dirty="0">
                 <a:solidFill>
                   <a:schemeClr val="tx1"/>
                 </a:solidFill>
@@ -19253,7 +19266,7 @@
               <a:t>, A., Michel, V., </a:t>
             </a:r>
             <a:r>
-              <a:rPr lang="en-US" sz="1600" dirty="0" err="1">
+              <a:rPr lang="en-US" sz="1500" dirty="0" err="1">
                 <a:solidFill>
                   <a:schemeClr val="tx1"/>
                 </a:solidFill>
@@ -19263,7 +19276,7 @@
               <a:t>Thirion</a:t>
             </a:r>
             <a:r>
-              <a:rPr lang="en-US" sz="1600" dirty="0">
+              <a:rPr lang="en-US" sz="1500" dirty="0">
                 <a:solidFill>
                   <a:schemeClr val="tx1"/>
                 </a:solidFill>
@@ -19273,7 +19286,7 @@
               <a:t>, B., Grisel, O., Blondel, M., </a:t>
             </a:r>
             <a:r>
-              <a:rPr lang="en-US" sz="1600" dirty="0" err="1">
+              <a:rPr lang="en-US" sz="1500" dirty="0" err="1">
                 <a:solidFill>
                   <a:schemeClr val="tx1"/>
                 </a:solidFill>
@@ -19283,7 +19296,7 @@
               <a:t>Prettenhofer</a:t>
             </a:r>
             <a:r>
-              <a:rPr lang="en-US" sz="1600" dirty="0">
+              <a:rPr lang="en-US" sz="1500" dirty="0">
                 <a:solidFill>
                   <a:schemeClr val="tx1"/>
                 </a:solidFill>
@@ -19293,7 +19306,7 @@
               <a:t>, P., Weiss, R., </a:t>
             </a:r>
             <a:r>
-              <a:rPr lang="en-US" sz="1600" dirty="0" err="1">
+              <a:rPr lang="en-US" sz="1500" dirty="0" err="1">
                 <a:solidFill>
                   <a:schemeClr val="tx1"/>
                 </a:solidFill>
@@ -19303,7 +19316,7 @@
               <a:t>Dubourg</a:t>
             </a:r>
             <a:r>
-              <a:rPr lang="en-US" sz="1600" dirty="0">
+              <a:rPr lang="en-US" sz="1500" dirty="0">
                 <a:solidFill>
                   <a:schemeClr val="tx1"/>
                 </a:solidFill>
@@ -19313,7 +19326,7 @@
               <a:t>, V., </a:t>
             </a:r>
             <a:r>
-              <a:rPr lang="en-US" sz="1600" dirty="0" err="1">
+              <a:rPr lang="en-US" sz="1500" dirty="0" err="1">
                 <a:solidFill>
                   <a:schemeClr val="tx1"/>
                 </a:solidFill>
@@ -19323,7 +19336,7 @@
               <a:t>Vanderplas</a:t>
             </a:r>
             <a:r>
-              <a:rPr lang="en-US" sz="1600" dirty="0">
+              <a:rPr lang="en-US" sz="1500" dirty="0">
                 <a:solidFill>
                   <a:schemeClr val="tx1"/>
                 </a:solidFill>
@@ -19333,7 +19346,7 @@
               <a:t>, J., </a:t>
             </a:r>
             <a:r>
-              <a:rPr lang="en-US" sz="1600" dirty="0" err="1">
+              <a:rPr lang="en-US" sz="1500" dirty="0" err="1">
                 <a:solidFill>
                   <a:schemeClr val="tx1"/>
                 </a:solidFill>
@@ -19343,7 +19356,7 @@
               <a:t>Passos</a:t>
             </a:r>
             <a:r>
-              <a:rPr lang="en-US" sz="1600" dirty="0">
+              <a:rPr lang="en-US" sz="1500" dirty="0">
                 <a:solidFill>
                   <a:schemeClr val="tx1"/>
                 </a:solidFill>
@@ -19353,7 +19366,7 @@
               <a:t>, A., </a:t>
             </a:r>
             <a:r>
-              <a:rPr lang="en-US" sz="1600" dirty="0" err="1">
+              <a:rPr lang="en-US" sz="1500" dirty="0" err="1">
                 <a:solidFill>
                   <a:schemeClr val="tx1"/>
                 </a:solidFill>
@@ -19363,7 +19376,7 @@
               <a:t>Cournapeau</a:t>
             </a:r>
             <a:r>
-              <a:rPr lang="en-US" sz="1600" dirty="0">
+              <a:rPr lang="en-US" sz="1500" dirty="0">
                 <a:solidFill>
                   <a:schemeClr val="tx1"/>
                 </a:solidFill>
@@ -19373,7 +19386,7 @@
               <a:t>, D., </a:t>
             </a:r>
             <a:r>
-              <a:rPr lang="en-US" sz="1600" dirty="0" err="1">
+              <a:rPr lang="en-US" sz="1500" dirty="0" err="1">
                 <a:solidFill>
                   <a:schemeClr val="tx1"/>
                 </a:solidFill>
@@ -19383,7 +19396,7 @@
               <a:t>Brucher</a:t>
             </a:r>
             <a:r>
-              <a:rPr lang="en-US" sz="1600" dirty="0">
+              <a:rPr lang="en-US" sz="1500" dirty="0">
                 <a:solidFill>
                   <a:schemeClr val="tx1"/>
                 </a:solidFill>
@@ -19393,7 +19406,7 @@
               <a:t>, M., Perrot, M. &amp; </a:t>
             </a:r>
             <a:r>
-              <a:rPr lang="en-US" sz="1600" dirty="0" err="1">
+              <a:rPr lang="en-US" sz="1500" dirty="0" err="1">
                 <a:solidFill>
                   <a:schemeClr val="tx1"/>
                 </a:solidFill>
@@ -19403,7 +19416,7 @@
               <a:t>Duchesnay</a:t>
             </a:r>
             <a:r>
-              <a:rPr lang="en-US" sz="1600" dirty="0">
+              <a:rPr lang="en-US" sz="1500" dirty="0">
                 <a:solidFill>
                   <a:schemeClr val="tx1"/>
                 </a:solidFill>
@@ -19413,7 +19426,7 @@
               <a:t>, E. (2011) </a:t>
             </a:r>
             <a:r>
-              <a:rPr lang="en-US" sz="1600" dirty="0" err="1">
+              <a:rPr lang="en-US" sz="1500" dirty="0" err="1">
                 <a:solidFill>
                   <a:schemeClr val="tx1"/>
                 </a:solidFill>
@@ -19423,7 +19436,7 @@
               <a:t>Scikit</a:t>
             </a:r>
             <a:r>
-              <a:rPr lang="en-US" sz="1600" dirty="0">
+              <a:rPr lang="en-US" sz="1500" dirty="0">
                 <a:solidFill>
                   <a:schemeClr val="tx1"/>
                 </a:solidFill>
@@ -19435,7 +19448,7 @@
           </a:p>
           <a:p>
             <a:r>
-              <a:rPr lang="en-US" sz="1600" dirty="0">
+              <a:rPr lang="en-US" sz="1500" dirty="0">
                 <a:solidFill>
                   <a:schemeClr val="tx1"/>
                 </a:solidFill>
@@ -19445,7 +19458,7 @@
               <a:t>[3] </a:t>
             </a:r>
             <a:r>
-              <a:rPr lang="en-US" sz="1600" dirty="0" err="1">
+              <a:rPr lang="en-US" sz="1500" dirty="0" err="1">
                 <a:solidFill>
                   <a:schemeClr val="tx1"/>
                 </a:solidFill>
@@ -19455,7 +19468,7 @@
               <a:t>Chollet</a:t>
             </a:r>
             <a:r>
-              <a:rPr lang="en-US" sz="1600" dirty="0">
+              <a:rPr lang="en-US" sz="1500" dirty="0">
                 <a:solidFill>
                   <a:schemeClr val="tx1"/>
                 </a:solidFill>
@@ -19465,7 +19478,7 @@
               <a:t>, F. (2015) </a:t>
             </a:r>
             <a:r>
-              <a:rPr lang="en-US" sz="1600" dirty="0" err="1">
+              <a:rPr lang="en-US" sz="1500" dirty="0" err="1">
                 <a:solidFill>
                   <a:schemeClr val="tx1"/>
                 </a:solidFill>
@@ -19475,7 +19488,7 @@
               <a:t>Keras.https</a:t>
             </a:r>
             <a:r>
-              <a:rPr lang="en-US" sz="1600" dirty="0">
+              <a:rPr lang="en-US" sz="1500" dirty="0">
                 <a:solidFill>
                   <a:schemeClr val="tx1"/>
                 </a:solidFill>
@@ -19487,7 +19500,7 @@
           </a:p>
           <a:p>
             <a:r>
-              <a:rPr lang="en-US" sz="1600" dirty="0">
+              <a:rPr lang="en-US" sz="1500" dirty="0">
                 <a:solidFill>
                   <a:schemeClr val="tx1"/>
                 </a:solidFill>
@@ -19915,7 +19928,7 @@
         </p:nvSpPr>
         <p:spPr>
           <a:xfrm>
-            <a:off x="457491" y="12273396"/>
+            <a:off x="448551" y="12356395"/>
             <a:ext cx="6281539" cy="6025372"/>
           </a:xfrm>
           <a:prstGeom prst="rect">
@@ -20277,7 +20290,7 @@
         </p:nvSpPr>
         <p:spPr>
           <a:xfrm>
-            <a:off x="7303238" y="5480856"/>
+            <a:off x="7303238" y="5445832"/>
             <a:ext cx="12794229" cy="3144584"/>
           </a:xfrm>
           <a:prstGeom prst="rect">
@@ -20469,7 +20482,7 @@
                 <a:latin typeface="Cambria" panose="02040503050406030204" pitchFamily="18" charset="0"/>
                 <a:ea typeface="Cambria" panose="02040503050406030204" pitchFamily="18" charset="0"/>
               </a:rPr>
-              <a:t>Our model: 2 full-connected hidden layers with </a:t>
+              <a:t>Our model: 2 fully-connected hidden layers with </a:t>
             </a:r>
             <a:r>
               <a:rPr lang="en-US" sz="2400" dirty="0" err="1">
@@ -20489,7 +20502,7 @@
                 <a:latin typeface="Cambria" panose="02040503050406030204" pitchFamily="18" charset="0"/>
                 <a:ea typeface="Cambria" panose="02040503050406030204" pitchFamily="18" charset="0"/>
               </a:rPr>
-              <a:t> activation and output layer with SoftMax activation</a:t>
+              <a:t> activation and an output layer with SoftMax activation</a:t>
             </a:r>
           </a:p>
           <a:p>
@@ -20688,7 +20701,7 @@
           <p:nvPr>
             <p:extLst>
               <p:ext uri="{D42A27DB-BD31-4B8C-83A1-F6EECF244321}">
-                <p14:modId xmlns:p14="http://schemas.microsoft.com/office/powerpoint/2010/main" val="1005112768"/>
+                <p14:modId xmlns:p14="http://schemas.microsoft.com/office/powerpoint/2010/main" val="1035874827"/>
               </p:ext>
             </p:extLst>
           </p:nvPr>
@@ -21078,10 +21091,13 @@
                     <a:bodyPr/>
                     <a:lstStyle/>
                     <a:p>
-                      <a:endParaRPr lang="en-US" sz="2000" dirty="0">
-                        <a:latin typeface="Cambria" panose="02040503050406030204" pitchFamily="18" charset="0"/>
-                        <a:ea typeface="Cambria" panose="02040503050406030204" pitchFamily="18" charset="0"/>
-                      </a:endParaRPr>
+                      <a:r>
+                        <a:rPr lang="en-US" sz="2000" dirty="0">
+                          <a:latin typeface="Cambria" panose="02040503050406030204" pitchFamily="18" charset="0"/>
+                          <a:ea typeface="Cambria" panose="02040503050406030204" pitchFamily="18" charset="0"/>
+                        </a:rPr>
+                        <a:t>4.5148</a:t>
+                      </a:r>
                     </a:p>
                   </a:txBody>
                   <a:tcPr anchor="ctr"/>
@@ -21091,10 +21107,13 @@
                     <a:bodyPr/>
                     <a:lstStyle/>
                     <a:p>
-                      <a:endParaRPr lang="en-US" sz="2000" dirty="0">
-                        <a:latin typeface="Cambria" panose="02040503050406030204" pitchFamily="18" charset="0"/>
-                        <a:ea typeface="Cambria" panose="02040503050406030204" pitchFamily="18" charset="0"/>
-                      </a:endParaRPr>
+                      <a:r>
+                        <a:rPr lang="en-US" sz="2000" dirty="0">
+                          <a:latin typeface="Cambria" panose="02040503050406030204" pitchFamily="18" charset="0"/>
+                          <a:ea typeface="Cambria" panose="02040503050406030204" pitchFamily="18" charset="0"/>
+                        </a:rPr>
+                        <a:t>5.2632</a:t>
+                      </a:r>
                     </a:p>
                   </a:txBody>
                   <a:tcPr anchor="ctr"/>
@@ -21104,10 +21123,13 @@
                     <a:bodyPr/>
                     <a:lstStyle/>
                     <a:p>
-                      <a:endParaRPr lang="en-US" sz="2000" dirty="0">
-                        <a:latin typeface="Cambria" panose="02040503050406030204" pitchFamily="18" charset="0"/>
-                        <a:ea typeface="Cambria" panose="02040503050406030204" pitchFamily="18" charset="0"/>
-                      </a:endParaRPr>
+                      <a:r>
+                        <a:rPr lang="en-US" sz="2000" dirty="0">
+                          <a:latin typeface="Cambria" panose="02040503050406030204" pitchFamily="18" charset="0"/>
+                          <a:ea typeface="Cambria" panose="02040503050406030204" pitchFamily="18" charset="0"/>
+                        </a:rPr>
+                        <a:t>0.8476</a:t>
+                      </a:r>
                     </a:p>
                   </a:txBody>
                   <a:tcPr anchor="ctr"/>
@@ -21117,10 +21139,13 @@
                     <a:bodyPr/>
                     <a:lstStyle/>
                     <a:p>
-                      <a:endParaRPr lang="en-US" sz="2000" dirty="0">
-                        <a:latin typeface="Cambria" panose="02040503050406030204" pitchFamily="18" charset="0"/>
-                        <a:ea typeface="Cambria" panose="02040503050406030204" pitchFamily="18" charset="0"/>
-                      </a:endParaRPr>
+                      <a:r>
+                        <a:rPr lang="en-US" sz="2000" dirty="0">
+                          <a:latin typeface="Cambria" panose="02040503050406030204" pitchFamily="18" charset="0"/>
+                          <a:ea typeface="Cambria" panose="02040503050406030204" pitchFamily="18" charset="0"/>
+                        </a:rPr>
+                        <a:t>0.86</a:t>
+                      </a:r>
                     </a:p>
                   </a:txBody>
                   <a:tcPr anchor="ctr"/>
@@ -21130,10 +21155,13 @@
                     <a:bodyPr/>
                     <a:lstStyle/>
                     <a:p>
-                      <a:endParaRPr lang="en-US" sz="2000" dirty="0">
-                        <a:latin typeface="Cambria" panose="02040503050406030204" pitchFamily="18" charset="0"/>
-                        <a:ea typeface="Cambria" panose="02040503050406030204" pitchFamily="18" charset="0"/>
-                      </a:endParaRPr>
+                      <a:r>
+                        <a:rPr lang="en-US" sz="2000" dirty="0">
+                          <a:latin typeface="Cambria" panose="02040503050406030204" pitchFamily="18" charset="0"/>
+                          <a:ea typeface="Cambria" panose="02040503050406030204" pitchFamily="18" charset="0"/>
+                        </a:rPr>
+                        <a:t>0.85</a:t>
+                      </a:r>
                     </a:p>
                   </a:txBody>
                   <a:tcPr anchor="ctr"/>
@@ -21166,10 +21194,13 @@
                     <a:bodyPr/>
                     <a:lstStyle/>
                     <a:p>
-                      <a:endParaRPr lang="en-US" sz="2000" dirty="0">
-                        <a:latin typeface="Cambria" panose="02040503050406030204" pitchFamily="18" charset="0"/>
-                        <a:ea typeface="Cambria" panose="02040503050406030204" pitchFamily="18" charset="0"/>
-                      </a:endParaRPr>
+                      <a:r>
+                        <a:rPr lang="en-US" sz="2000" dirty="0">
+                          <a:latin typeface="Cambria" panose="02040503050406030204" pitchFamily="18" charset="0"/>
+                          <a:ea typeface="Cambria" panose="02040503050406030204" pitchFamily="18" charset="0"/>
+                        </a:rPr>
+                        <a:t>2.1749</a:t>
+                      </a:r>
                     </a:p>
                   </a:txBody>
                   <a:tcPr anchor="ctr"/>
@@ -21179,10 +21210,13 @@
                     <a:bodyPr/>
                     <a:lstStyle/>
                     <a:p>
-                      <a:endParaRPr lang="en-US" sz="2000" dirty="0">
-                        <a:latin typeface="Cambria" panose="02040503050406030204" pitchFamily="18" charset="0"/>
-                        <a:ea typeface="Cambria" panose="02040503050406030204" pitchFamily="18" charset="0"/>
-                      </a:endParaRPr>
+                      <a:r>
+                        <a:rPr lang="en-US" sz="2000" dirty="0">
+                          <a:latin typeface="Cambria" panose="02040503050406030204" pitchFamily="18" charset="0"/>
+                          <a:ea typeface="Cambria" panose="02040503050406030204" pitchFamily="18" charset="0"/>
+                        </a:rPr>
+                        <a:t>2.3804</a:t>
+                      </a:r>
                     </a:p>
                   </a:txBody>
                   <a:tcPr anchor="ctr"/>
@@ -21192,10 +21226,13 @@
                     <a:bodyPr/>
                     <a:lstStyle/>
                     <a:p>
-                      <a:endParaRPr lang="en-US" sz="2000" dirty="0">
-                        <a:latin typeface="Cambria" panose="02040503050406030204" pitchFamily="18" charset="0"/>
-                        <a:ea typeface="Cambria" panose="02040503050406030204" pitchFamily="18" charset="0"/>
-                      </a:endParaRPr>
+                      <a:r>
+                        <a:rPr lang="en-US" sz="2000" dirty="0">
+                          <a:latin typeface="Cambria" panose="02040503050406030204" pitchFamily="18" charset="0"/>
+                          <a:ea typeface="Cambria" panose="02040503050406030204" pitchFamily="18" charset="0"/>
+                        </a:rPr>
+                        <a:t>0.9311</a:t>
+                      </a:r>
                     </a:p>
                   </a:txBody>
                   <a:tcPr anchor="ctr"/>
@@ -21205,10 +21242,13 @@
                     <a:bodyPr/>
                     <a:lstStyle/>
                     <a:p>
-                      <a:endParaRPr lang="en-US" sz="2000" dirty="0">
-                        <a:latin typeface="Cambria" panose="02040503050406030204" pitchFamily="18" charset="0"/>
-                        <a:ea typeface="Cambria" panose="02040503050406030204" pitchFamily="18" charset="0"/>
-                      </a:endParaRPr>
+                      <a:r>
+                        <a:rPr lang="en-US" sz="2000" dirty="0">
+                          <a:latin typeface="Cambria" panose="02040503050406030204" pitchFamily="18" charset="0"/>
+                          <a:ea typeface="Cambria" panose="02040503050406030204" pitchFamily="18" charset="0"/>
+                        </a:rPr>
+                        <a:t>0.93</a:t>
+                      </a:r>
                     </a:p>
                   </a:txBody>
                   <a:tcPr anchor="ctr"/>
@@ -21218,10 +21258,13 @@
                     <a:bodyPr/>
                     <a:lstStyle/>
                     <a:p>
-                      <a:endParaRPr lang="en-US" sz="2000" dirty="0">
-                        <a:latin typeface="Cambria" panose="02040503050406030204" pitchFamily="18" charset="0"/>
-                        <a:ea typeface="Cambria" panose="02040503050406030204" pitchFamily="18" charset="0"/>
-                      </a:endParaRPr>
+                      <a:r>
+                        <a:rPr lang="en-US" sz="2000" dirty="0">
+                          <a:latin typeface="Cambria" panose="02040503050406030204" pitchFamily="18" charset="0"/>
+                          <a:ea typeface="Cambria" panose="02040503050406030204" pitchFamily="18" charset="0"/>
+                        </a:rPr>
+                        <a:t>0.93</a:t>
+                      </a:r>
                     </a:p>
                   </a:txBody>
                   <a:tcPr anchor="ctr"/>
@@ -21236,12 +21279,47 @@
           </a:graphicData>
         </a:graphic>
       </p:graphicFrame>
+      <p:pic>
+        <p:nvPicPr>
+          <p:cNvPr id="6" name="Picture 5" descr="A screenshot of a cell phone&#10;&#10;Description automatically generated">
+            <a:extLst>
+              <a:ext uri="{FF2B5EF4-FFF2-40B4-BE49-F238E27FC236}">
+                <a16:creationId xmlns:a16="http://schemas.microsoft.com/office/drawing/2014/main" id="{F68DE5CB-B93C-45F3-BCF9-E7726341BB9A}"/>
+              </a:ext>
+            </a:extLst>
+          </p:cNvPr>
+          <p:cNvPicPr>
+            <a:picLocks noChangeAspect="1"/>
+          </p:cNvPicPr>
+          <p:nvPr/>
+        </p:nvPicPr>
+        <p:blipFill rotWithShape="1">
+          <a:blip r:embed="rId9">
+            <a:extLst>
+              <a:ext uri="{28A0092B-C50C-407E-A947-70E740481C1C}">
+                <a14:useLocalDpi xmlns:a14="http://schemas.microsoft.com/office/drawing/2010/main" val="0"/>
+              </a:ext>
+            </a:extLst>
+          </a:blip>
+          <a:srcRect l="10188" r="17006"/>
+          <a:stretch/>
+        </p:blipFill>
+        <p:spPr>
+          <a:xfrm>
+            <a:off x="20880571" y="4426787"/>
+            <a:ext cx="5858477" cy="6035040"/>
+          </a:xfrm>
+          <a:prstGeom prst="rect">
+            <a:avLst/>
+          </a:prstGeom>
+        </p:spPr>
+      </p:pic>
       <p:sp>
         <p:nvSpPr>
-          <p:cNvPr id="35" name="Text Placeholder 298">
+          <p:cNvPr id="37" name="Text Placeholder 298">
             <a:extLst>
               <a:ext uri="{FF2B5EF4-FFF2-40B4-BE49-F238E27FC236}">
-                <a16:creationId xmlns:a16="http://schemas.microsoft.com/office/drawing/2014/main" id="{48791EEF-6116-41C9-B1A5-9675EC9118D6}"/>
+                <a16:creationId xmlns:a16="http://schemas.microsoft.com/office/drawing/2014/main" id="{E787CF94-3D3D-4D09-9972-4A0AF39A9504}"/>
               </a:ext>
             </a:extLst>
           </p:cNvPr>
@@ -21252,7 +21330,7 @@
         </p:nvSpPr>
         <p:spPr>
           <a:xfrm>
-            <a:off x="20671690" y="10442026"/>
+            <a:off x="20674835" y="13655592"/>
             <a:ext cx="6279386" cy="879348"/>
           </a:xfrm>
           <a:prstGeom prst="rect">
